--- a/final/storyboard/dorr1/RoaneBooster.pptx
+++ b/final/storyboard/dorr1/RoaneBooster.pptx
@@ -12,6 +12,7 @@
     <p:sldId id="261" r:id="rId6"/>
     <p:sldId id="260" r:id="rId7"/>
     <p:sldId id="262" r:id="rId8"/>
+    <p:sldId id="263" r:id="rId9"/>
   </p:sldIdLst>
   <p:sldSz cx="12192000" cy="6858000"/>
   <p:notesSz cx="6858000" cy="9144000"/>
@@ -126,6 +127,7 @@
             <p14:sldId id="261"/>
             <p14:sldId id="260"/>
             <p14:sldId id="262"/>
+            <p14:sldId id="263"/>
           </p14:sldIdLst>
         </p14:section>
       </p14:sectionLst>
@@ -149,6 +151,14 @@
 </p:cmAuthorLst>
 </file>
 
+<file path=ppt/revisionInfo.xml><?xml version="1.0" encoding="utf-8"?>
+<p1510:revInfo xmlns:a="http://schemas.openxmlformats.org/drawingml/2006/main" xmlns:r="http://schemas.openxmlformats.org/officeDocument/2006/relationships" xmlns:p1510="http://schemas.microsoft.com/office/powerpoint/2015/10/main">
+  <p1510:revLst>
+    <p1510:client id="{3B2EE012-6FC0-4774-916C-1DF9F5A8E60B}" v="13" dt="2018-11-26T17:07:02.588"/>
+  </p1510:revLst>
+</p1510:revInfo>
+</file>
+
 <file path=ppt/diagrams/colors1.xml><?xml version="1.0" encoding="utf-8"?>
 <dgm:colorsDef xmlns:dgm="http://schemas.openxmlformats.org/drawingml/2006/diagram" xmlns:a="http://schemas.openxmlformats.org/drawingml/2006/main" uniqueId="urn:microsoft.com/office/officeart/2005/8/colors/accent1_2">
   <dgm:title val=""/>
@@ -897,6 +907,753 @@
 </file>
 
 <file path=ppt/diagrams/colors2.xml><?xml version="1.0" encoding="utf-8"?>
+<dgm:colorsDef xmlns:dgm="http://schemas.openxmlformats.org/drawingml/2006/diagram" xmlns:a="http://schemas.openxmlformats.org/drawingml/2006/main" uniqueId="urn:microsoft.com/office/officeart/2005/8/colors/accent1_2">
+  <dgm:title val=""/>
+  <dgm:desc val=""/>
+  <dgm:catLst>
+    <dgm:cat type="accent1" pri="11200"/>
+  </dgm:catLst>
+  <dgm:styleLbl name="node0">
+    <dgm:fillClrLst meth="repeat">
+      <a:schemeClr val="accent1"/>
+    </dgm:fillClrLst>
+    <dgm:linClrLst meth="repeat">
+      <a:schemeClr val="lt1"/>
+    </dgm:linClrLst>
+    <dgm:effectClrLst/>
+    <dgm:txLinClrLst/>
+    <dgm:txFillClrLst/>
+    <dgm:txEffectClrLst/>
+  </dgm:styleLbl>
+  <dgm:styleLbl name="alignNode1">
+    <dgm:fillClrLst meth="repeat">
+      <a:schemeClr val="accent1"/>
+    </dgm:fillClrLst>
+    <dgm:linClrLst meth="repeat">
+      <a:schemeClr val="accent1"/>
+    </dgm:linClrLst>
+    <dgm:effectClrLst/>
+    <dgm:txLinClrLst/>
+    <dgm:txFillClrLst/>
+    <dgm:txEffectClrLst/>
+  </dgm:styleLbl>
+  <dgm:styleLbl name="node1">
+    <dgm:fillClrLst meth="repeat">
+      <a:schemeClr val="accent1"/>
+    </dgm:fillClrLst>
+    <dgm:linClrLst meth="repeat">
+      <a:schemeClr val="lt1"/>
+    </dgm:linClrLst>
+    <dgm:effectClrLst/>
+    <dgm:txLinClrLst/>
+    <dgm:txFillClrLst/>
+    <dgm:txEffectClrLst/>
+  </dgm:styleLbl>
+  <dgm:styleLbl name="lnNode1">
+    <dgm:fillClrLst meth="repeat">
+      <a:schemeClr val="accent1"/>
+    </dgm:fillClrLst>
+    <dgm:linClrLst meth="repeat">
+      <a:schemeClr val="lt1"/>
+    </dgm:linClrLst>
+    <dgm:effectClrLst/>
+    <dgm:txLinClrLst/>
+    <dgm:txFillClrLst/>
+    <dgm:txEffectClrLst/>
+  </dgm:styleLbl>
+  <dgm:styleLbl name="vennNode1">
+    <dgm:fillClrLst meth="repeat">
+      <a:schemeClr val="accent1">
+        <a:alpha val="50000"/>
+      </a:schemeClr>
+    </dgm:fillClrLst>
+    <dgm:linClrLst meth="repeat">
+      <a:schemeClr val="lt1"/>
+    </dgm:linClrLst>
+    <dgm:effectClrLst/>
+    <dgm:txLinClrLst/>
+    <dgm:txFillClrLst/>
+    <dgm:txEffectClrLst/>
+  </dgm:styleLbl>
+  <dgm:styleLbl name="node2">
+    <dgm:fillClrLst meth="repeat">
+      <a:schemeClr val="accent1"/>
+    </dgm:fillClrLst>
+    <dgm:linClrLst meth="repeat">
+      <a:schemeClr val="lt1"/>
+    </dgm:linClrLst>
+    <dgm:effectClrLst/>
+    <dgm:txLinClrLst/>
+    <dgm:txFillClrLst/>
+    <dgm:txEffectClrLst/>
+  </dgm:styleLbl>
+  <dgm:styleLbl name="node3">
+    <dgm:fillClrLst meth="repeat">
+      <a:schemeClr val="accent1"/>
+    </dgm:fillClrLst>
+    <dgm:linClrLst meth="repeat">
+      <a:schemeClr val="lt1"/>
+    </dgm:linClrLst>
+    <dgm:effectClrLst/>
+    <dgm:txLinClrLst/>
+    <dgm:txFillClrLst/>
+    <dgm:txEffectClrLst/>
+  </dgm:styleLbl>
+  <dgm:styleLbl name="node4">
+    <dgm:fillClrLst meth="repeat">
+      <a:schemeClr val="accent1"/>
+    </dgm:fillClrLst>
+    <dgm:linClrLst meth="repeat">
+      <a:schemeClr val="lt1"/>
+    </dgm:linClrLst>
+    <dgm:effectClrLst/>
+    <dgm:txLinClrLst/>
+    <dgm:txFillClrLst/>
+    <dgm:txEffectClrLst/>
+  </dgm:styleLbl>
+  <dgm:styleLbl name="fgImgPlace1">
+    <dgm:fillClrLst meth="repeat">
+      <a:schemeClr val="accent1">
+        <a:tint val="50000"/>
+      </a:schemeClr>
+    </dgm:fillClrLst>
+    <dgm:linClrLst meth="repeat">
+      <a:schemeClr val="lt1"/>
+    </dgm:linClrLst>
+    <dgm:effectClrLst/>
+    <dgm:txLinClrLst/>
+    <dgm:txFillClrLst meth="repeat">
+      <a:schemeClr val="lt1"/>
+    </dgm:txFillClrLst>
+    <dgm:txEffectClrLst/>
+  </dgm:styleLbl>
+  <dgm:styleLbl name="alignImgPlace1">
+    <dgm:fillClrLst meth="repeat">
+      <a:schemeClr val="accent1">
+        <a:tint val="50000"/>
+      </a:schemeClr>
+    </dgm:fillClrLst>
+    <dgm:linClrLst meth="repeat">
+      <a:schemeClr val="lt1"/>
+    </dgm:linClrLst>
+    <dgm:effectClrLst/>
+    <dgm:txLinClrLst/>
+    <dgm:txFillClrLst meth="repeat">
+      <a:schemeClr val="lt1"/>
+    </dgm:txFillClrLst>
+    <dgm:txEffectClrLst/>
+  </dgm:styleLbl>
+  <dgm:styleLbl name="bgImgPlace1">
+    <dgm:fillClrLst meth="repeat">
+      <a:schemeClr val="accent1">
+        <a:tint val="50000"/>
+      </a:schemeClr>
+    </dgm:fillClrLst>
+    <dgm:linClrLst meth="repeat">
+      <a:schemeClr val="lt1"/>
+    </dgm:linClrLst>
+    <dgm:effectClrLst/>
+    <dgm:txLinClrLst/>
+    <dgm:txFillClrLst meth="repeat">
+      <a:schemeClr val="lt1"/>
+    </dgm:txFillClrLst>
+    <dgm:txEffectClrLst/>
+  </dgm:styleLbl>
+  <dgm:styleLbl name="sibTrans2D1">
+    <dgm:fillClrLst meth="repeat">
+      <a:schemeClr val="accent1">
+        <a:tint val="60000"/>
+      </a:schemeClr>
+    </dgm:fillClrLst>
+    <dgm:linClrLst meth="repeat">
+      <a:schemeClr val="accent1">
+        <a:tint val="60000"/>
+      </a:schemeClr>
+    </dgm:linClrLst>
+    <dgm:effectClrLst/>
+    <dgm:txLinClrLst/>
+    <dgm:txFillClrLst/>
+    <dgm:txEffectClrLst/>
+  </dgm:styleLbl>
+  <dgm:styleLbl name="fgSibTrans2D1">
+    <dgm:fillClrLst meth="repeat">
+      <a:schemeClr val="accent1">
+        <a:tint val="60000"/>
+      </a:schemeClr>
+    </dgm:fillClrLst>
+    <dgm:linClrLst meth="repeat">
+      <a:schemeClr val="accent1">
+        <a:tint val="60000"/>
+      </a:schemeClr>
+    </dgm:linClrLst>
+    <dgm:effectClrLst/>
+    <dgm:txLinClrLst/>
+    <dgm:txFillClrLst/>
+    <dgm:txEffectClrLst/>
+  </dgm:styleLbl>
+  <dgm:styleLbl name="bgSibTrans2D1">
+    <dgm:fillClrLst meth="repeat">
+      <a:schemeClr val="accent1">
+        <a:tint val="60000"/>
+      </a:schemeClr>
+    </dgm:fillClrLst>
+    <dgm:linClrLst meth="repeat">
+      <a:schemeClr val="accent1">
+        <a:tint val="60000"/>
+      </a:schemeClr>
+    </dgm:linClrLst>
+    <dgm:effectClrLst/>
+    <dgm:txLinClrLst/>
+    <dgm:txFillClrLst/>
+    <dgm:txEffectClrLst/>
+  </dgm:styleLbl>
+  <dgm:styleLbl name="sibTrans1D1">
+    <dgm:fillClrLst meth="repeat">
+      <a:schemeClr val="accent1"/>
+    </dgm:fillClrLst>
+    <dgm:linClrLst meth="repeat">
+      <a:schemeClr val="accent1"/>
+    </dgm:linClrLst>
+    <dgm:effectClrLst/>
+    <dgm:txLinClrLst/>
+    <dgm:txFillClrLst meth="repeat">
+      <a:schemeClr val="tx1"/>
+    </dgm:txFillClrLst>
+    <dgm:txEffectClrLst/>
+  </dgm:styleLbl>
+  <dgm:styleLbl name="callout">
+    <dgm:fillClrLst meth="repeat">
+      <a:schemeClr val="accent1"/>
+    </dgm:fillClrLst>
+    <dgm:linClrLst meth="repeat">
+      <a:schemeClr val="accent1">
+        <a:tint val="50000"/>
+      </a:schemeClr>
+    </dgm:linClrLst>
+    <dgm:effectClrLst/>
+    <dgm:txLinClrLst/>
+    <dgm:txFillClrLst meth="repeat">
+      <a:schemeClr val="tx1"/>
+    </dgm:txFillClrLst>
+    <dgm:txEffectClrLst/>
+  </dgm:styleLbl>
+  <dgm:styleLbl name="asst0">
+    <dgm:fillClrLst meth="repeat">
+      <a:schemeClr val="accent1"/>
+    </dgm:fillClrLst>
+    <dgm:linClrLst meth="repeat">
+      <a:schemeClr val="lt1"/>
+    </dgm:linClrLst>
+    <dgm:effectClrLst/>
+    <dgm:txLinClrLst/>
+    <dgm:txFillClrLst/>
+    <dgm:txEffectClrLst/>
+  </dgm:styleLbl>
+  <dgm:styleLbl name="asst1">
+    <dgm:fillClrLst meth="repeat">
+      <a:schemeClr val="accent1"/>
+    </dgm:fillClrLst>
+    <dgm:linClrLst meth="repeat">
+      <a:schemeClr val="lt1"/>
+    </dgm:linClrLst>
+    <dgm:effectClrLst/>
+    <dgm:txLinClrLst/>
+    <dgm:txFillClrLst/>
+    <dgm:txEffectClrLst/>
+  </dgm:styleLbl>
+  <dgm:styleLbl name="asst2">
+    <dgm:fillClrLst meth="repeat">
+      <a:schemeClr val="accent1"/>
+    </dgm:fillClrLst>
+    <dgm:linClrLst meth="repeat">
+      <a:schemeClr val="lt1"/>
+    </dgm:linClrLst>
+    <dgm:effectClrLst/>
+    <dgm:txLinClrLst/>
+    <dgm:txFillClrLst/>
+    <dgm:txEffectClrLst/>
+  </dgm:styleLbl>
+  <dgm:styleLbl name="asst3">
+    <dgm:fillClrLst meth="repeat">
+      <a:schemeClr val="accent1"/>
+    </dgm:fillClrLst>
+    <dgm:linClrLst meth="repeat">
+      <a:schemeClr val="lt1"/>
+    </dgm:linClrLst>
+    <dgm:effectClrLst/>
+    <dgm:txLinClrLst/>
+    <dgm:txFillClrLst/>
+    <dgm:txEffectClrLst/>
+  </dgm:styleLbl>
+  <dgm:styleLbl name="asst4">
+    <dgm:fillClrLst meth="repeat">
+      <a:schemeClr val="accent1"/>
+    </dgm:fillClrLst>
+    <dgm:linClrLst meth="repeat">
+      <a:schemeClr val="lt1"/>
+    </dgm:linClrLst>
+    <dgm:effectClrLst/>
+    <dgm:txLinClrLst/>
+    <dgm:txFillClrLst/>
+    <dgm:txEffectClrLst/>
+  </dgm:styleLbl>
+  <dgm:styleLbl name="parChTrans2D1">
+    <dgm:fillClrLst meth="repeat">
+      <a:schemeClr val="accent1">
+        <a:tint val="60000"/>
+      </a:schemeClr>
+    </dgm:fillClrLst>
+    <dgm:linClrLst meth="repeat">
+      <a:schemeClr val="accent1">
+        <a:tint val="60000"/>
+      </a:schemeClr>
+    </dgm:linClrLst>
+    <dgm:effectClrLst/>
+    <dgm:txLinClrLst/>
+    <dgm:txFillClrLst meth="repeat">
+      <a:schemeClr val="lt1"/>
+    </dgm:txFillClrLst>
+    <dgm:txEffectClrLst/>
+  </dgm:styleLbl>
+  <dgm:styleLbl name="parChTrans2D2">
+    <dgm:fillClrLst meth="repeat">
+      <a:schemeClr val="accent1"/>
+    </dgm:fillClrLst>
+    <dgm:linClrLst meth="repeat">
+      <a:schemeClr val="accent1"/>
+    </dgm:linClrLst>
+    <dgm:effectClrLst/>
+    <dgm:txLinClrLst/>
+    <dgm:txFillClrLst meth="repeat">
+      <a:schemeClr val="lt1"/>
+    </dgm:txFillClrLst>
+    <dgm:txEffectClrLst/>
+  </dgm:styleLbl>
+  <dgm:styleLbl name="parChTrans2D3">
+    <dgm:fillClrLst meth="repeat">
+      <a:schemeClr val="accent1"/>
+    </dgm:fillClrLst>
+    <dgm:linClrLst meth="repeat">
+      <a:schemeClr val="accent1"/>
+    </dgm:linClrLst>
+    <dgm:effectClrLst/>
+    <dgm:txLinClrLst/>
+    <dgm:txFillClrLst meth="repeat">
+      <a:schemeClr val="lt1"/>
+    </dgm:txFillClrLst>
+    <dgm:txEffectClrLst/>
+  </dgm:styleLbl>
+  <dgm:styleLbl name="parChTrans2D4">
+    <dgm:fillClrLst meth="repeat">
+      <a:schemeClr val="accent1"/>
+    </dgm:fillClrLst>
+    <dgm:linClrLst meth="repeat">
+      <a:schemeClr val="accent1"/>
+    </dgm:linClrLst>
+    <dgm:effectClrLst/>
+    <dgm:txLinClrLst/>
+    <dgm:txFillClrLst meth="repeat">
+      <a:schemeClr val="lt1"/>
+    </dgm:txFillClrLst>
+    <dgm:txEffectClrLst/>
+  </dgm:styleLbl>
+  <dgm:styleLbl name="parChTrans1D1">
+    <dgm:fillClrLst meth="repeat">
+      <a:schemeClr val="accent1"/>
+    </dgm:fillClrLst>
+    <dgm:linClrLst meth="repeat">
+      <a:schemeClr val="accent1">
+        <a:shade val="60000"/>
+      </a:schemeClr>
+    </dgm:linClrLst>
+    <dgm:effectClrLst/>
+    <dgm:txLinClrLst/>
+    <dgm:txFillClrLst meth="repeat">
+      <a:schemeClr val="tx1"/>
+    </dgm:txFillClrLst>
+    <dgm:txEffectClrLst/>
+  </dgm:styleLbl>
+  <dgm:styleLbl name="parChTrans1D2">
+    <dgm:fillClrLst meth="repeat">
+      <a:schemeClr val="accent1"/>
+    </dgm:fillClrLst>
+    <dgm:linClrLst meth="repeat">
+      <a:schemeClr val="accent1">
+        <a:shade val="60000"/>
+      </a:schemeClr>
+    </dgm:linClrLst>
+    <dgm:effectClrLst/>
+    <dgm:txLinClrLst/>
+    <dgm:txFillClrLst meth="repeat">
+      <a:schemeClr val="tx1"/>
+    </dgm:txFillClrLst>
+    <dgm:txEffectClrLst/>
+  </dgm:styleLbl>
+  <dgm:styleLbl name="parChTrans1D3">
+    <dgm:fillClrLst meth="repeat">
+      <a:schemeClr val="accent1"/>
+    </dgm:fillClrLst>
+    <dgm:linClrLst meth="repeat">
+      <a:schemeClr val="accent1">
+        <a:shade val="80000"/>
+      </a:schemeClr>
+    </dgm:linClrLst>
+    <dgm:effectClrLst/>
+    <dgm:txLinClrLst/>
+    <dgm:txFillClrLst meth="repeat">
+      <a:schemeClr val="tx1"/>
+    </dgm:txFillClrLst>
+    <dgm:txEffectClrLst/>
+  </dgm:styleLbl>
+  <dgm:styleLbl name="parChTrans1D4">
+    <dgm:fillClrLst meth="repeat">
+      <a:schemeClr val="accent1"/>
+    </dgm:fillClrLst>
+    <dgm:linClrLst meth="repeat">
+      <a:schemeClr val="accent1">
+        <a:shade val="80000"/>
+      </a:schemeClr>
+    </dgm:linClrLst>
+    <dgm:effectClrLst/>
+    <dgm:txLinClrLst/>
+    <dgm:txFillClrLst meth="repeat">
+      <a:schemeClr val="tx1"/>
+    </dgm:txFillClrLst>
+    <dgm:txEffectClrLst/>
+  </dgm:styleLbl>
+  <dgm:styleLbl name="fgAcc1">
+    <dgm:fillClrLst meth="repeat">
+      <a:schemeClr val="lt1">
+        <a:alpha val="90000"/>
+      </a:schemeClr>
+    </dgm:fillClrLst>
+    <dgm:linClrLst meth="repeat">
+      <a:schemeClr val="accent1"/>
+    </dgm:linClrLst>
+    <dgm:effectClrLst/>
+    <dgm:txLinClrLst/>
+    <dgm:txFillClrLst meth="repeat">
+      <a:schemeClr val="dk1"/>
+    </dgm:txFillClrLst>
+    <dgm:txEffectClrLst/>
+  </dgm:styleLbl>
+  <dgm:styleLbl name="conFgAcc1">
+    <dgm:fillClrLst meth="repeat">
+      <a:schemeClr val="lt1">
+        <a:alpha val="90000"/>
+      </a:schemeClr>
+    </dgm:fillClrLst>
+    <dgm:linClrLst meth="repeat">
+      <a:schemeClr val="accent1"/>
+    </dgm:linClrLst>
+    <dgm:effectClrLst/>
+    <dgm:txLinClrLst/>
+    <dgm:txFillClrLst meth="repeat">
+      <a:schemeClr val="dk1"/>
+    </dgm:txFillClrLst>
+    <dgm:txEffectClrLst/>
+  </dgm:styleLbl>
+  <dgm:styleLbl name="alignAcc1">
+    <dgm:fillClrLst meth="repeat">
+      <a:schemeClr val="lt1">
+        <a:alpha val="90000"/>
+      </a:schemeClr>
+    </dgm:fillClrLst>
+    <dgm:linClrLst meth="repeat">
+      <a:schemeClr val="accent1"/>
+    </dgm:linClrLst>
+    <dgm:effectClrLst/>
+    <dgm:txLinClrLst/>
+    <dgm:txFillClrLst meth="repeat">
+      <a:schemeClr val="dk1"/>
+    </dgm:txFillClrLst>
+    <dgm:txEffectClrLst/>
+  </dgm:styleLbl>
+  <dgm:styleLbl name="trAlignAcc1">
+    <dgm:fillClrLst meth="repeat">
+      <a:schemeClr val="lt1">
+        <a:alpha val="40000"/>
+      </a:schemeClr>
+    </dgm:fillClrLst>
+    <dgm:linClrLst meth="repeat">
+      <a:schemeClr val="accent1"/>
+    </dgm:linClrLst>
+    <dgm:effectClrLst/>
+    <dgm:txLinClrLst/>
+    <dgm:txFillClrLst meth="repeat">
+      <a:schemeClr val="dk1"/>
+    </dgm:txFillClrLst>
+    <dgm:txEffectClrLst/>
+  </dgm:styleLbl>
+  <dgm:styleLbl name="bgAcc1">
+    <dgm:fillClrLst meth="repeat">
+      <a:schemeClr val="lt1">
+        <a:alpha val="90000"/>
+      </a:schemeClr>
+    </dgm:fillClrLst>
+    <dgm:linClrLst meth="repeat">
+      <a:schemeClr val="accent1"/>
+    </dgm:linClrLst>
+    <dgm:effectClrLst/>
+    <dgm:txLinClrLst/>
+    <dgm:txFillClrLst meth="repeat">
+      <a:schemeClr val="dk1"/>
+    </dgm:txFillClrLst>
+    <dgm:txEffectClrLst/>
+  </dgm:styleLbl>
+  <dgm:styleLbl name="solidFgAcc1">
+    <dgm:fillClrLst meth="repeat">
+      <a:schemeClr val="lt1"/>
+    </dgm:fillClrLst>
+    <dgm:linClrLst meth="repeat">
+      <a:schemeClr val="accent1"/>
+    </dgm:linClrLst>
+    <dgm:effectClrLst/>
+    <dgm:txLinClrLst/>
+    <dgm:txFillClrLst meth="repeat">
+      <a:schemeClr val="dk1"/>
+    </dgm:txFillClrLst>
+    <dgm:txEffectClrLst/>
+  </dgm:styleLbl>
+  <dgm:styleLbl name="solidAlignAcc1">
+    <dgm:fillClrLst meth="repeat">
+      <a:schemeClr val="lt1"/>
+    </dgm:fillClrLst>
+    <dgm:linClrLst meth="repeat">
+      <a:schemeClr val="accent1"/>
+    </dgm:linClrLst>
+    <dgm:effectClrLst/>
+    <dgm:txLinClrLst/>
+    <dgm:txFillClrLst meth="repeat">
+      <a:schemeClr val="dk1"/>
+    </dgm:txFillClrLst>
+    <dgm:txEffectClrLst/>
+  </dgm:styleLbl>
+  <dgm:styleLbl name="solidBgAcc1">
+    <dgm:fillClrLst meth="repeat">
+      <a:schemeClr val="lt1"/>
+    </dgm:fillClrLst>
+    <dgm:linClrLst meth="repeat">
+      <a:schemeClr val="accent1"/>
+    </dgm:linClrLst>
+    <dgm:effectClrLst/>
+    <dgm:txLinClrLst/>
+    <dgm:txFillClrLst meth="repeat">
+      <a:schemeClr val="dk1"/>
+    </dgm:txFillClrLst>
+    <dgm:txEffectClrLst/>
+  </dgm:styleLbl>
+  <dgm:styleLbl name="fgAccFollowNode1">
+    <dgm:fillClrLst meth="repeat">
+      <a:schemeClr val="accent1">
+        <a:alpha val="90000"/>
+        <a:tint val="40000"/>
+      </a:schemeClr>
+    </dgm:fillClrLst>
+    <dgm:linClrLst meth="repeat">
+      <a:schemeClr val="accent1">
+        <a:alpha val="90000"/>
+        <a:tint val="40000"/>
+      </a:schemeClr>
+    </dgm:linClrLst>
+    <dgm:effectClrLst/>
+    <dgm:txLinClrLst/>
+    <dgm:txFillClrLst meth="repeat">
+      <a:schemeClr val="dk1"/>
+    </dgm:txFillClrLst>
+    <dgm:txEffectClrLst/>
+  </dgm:styleLbl>
+  <dgm:styleLbl name="alignAccFollowNode1">
+    <dgm:fillClrLst meth="repeat">
+      <a:schemeClr val="accent1">
+        <a:alpha val="90000"/>
+        <a:tint val="40000"/>
+      </a:schemeClr>
+    </dgm:fillClrLst>
+    <dgm:linClrLst meth="repeat">
+      <a:schemeClr val="accent1">
+        <a:alpha val="90000"/>
+        <a:tint val="40000"/>
+      </a:schemeClr>
+    </dgm:linClrLst>
+    <dgm:effectClrLst/>
+    <dgm:txLinClrLst/>
+    <dgm:txFillClrLst meth="repeat">
+      <a:schemeClr val="dk1"/>
+    </dgm:txFillClrLst>
+    <dgm:txEffectClrLst/>
+  </dgm:styleLbl>
+  <dgm:styleLbl name="bgAccFollowNode1">
+    <dgm:fillClrLst meth="repeat">
+      <a:schemeClr val="accent1">
+        <a:alpha val="90000"/>
+        <a:tint val="40000"/>
+      </a:schemeClr>
+    </dgm:fillClrLst>
+    <dgm:linClrLst meth="repeat">
+      <a:schemeClr val="accent1">
+        <a:alpha val="90000"/>
+        <a:tint val="40000"/>
+      </a:schemeClr>
+    </dgm:linClrLst>
+    <dgm:effectClrLst/>
+    <dgm:txLinClrLst/>
+    <dgm:txFillClrLst meth="repeat">
+      <a:schemeClr val="dk1"/>
+    </dgm:txFillClrLst>
+    <dgm:txEffectClrLst/>
+  </dgm:styleLbl>
+  <dgm:styleLbl name="fgAcc0">
+    <dgm:fillClrLst meth="repeat">
+      <a:schemeClr val="lt1">
+        <a:alpha val="90000"/>
+      </a:schemeClr>
+    </dgm:fillClrLst>
+    <dgm:linClrLst meth="repeat">
+      <a:schemeClr val="accent1"/>
+    </dgm:linClrLst>
+    <dgm:effectClrLst/>
+    <dgm:txLinClrLst/>
+    <dgm:txFillClrLst meth="repeat">
+      <a:schemeClr val="dk1"/>
+    </dgm:txFillClrLst>
+    <dgm:txEffectClrLst/>
+  </dgm:styleLbl>
+  <dgm:styleLbl name="fgAcc2">
+    <dgm:fillClrLst meth="repeat">
+      <a:schemeClr val="lt1">
+        <a:alpha val="90000"/>
+      </a:schemeClr>
+    </dgm:fillClrLst>
+    <dgm:linClrLst meth="repeat">
+      <a:schemeClr val="accent1"/>
+    </dgm:linClrLst>
+    <dgm:effectClrLst/>
+    <dgm:txLinClrLst/>
+    <dgm:txFillClrLst meth="repeat">
+      <a:schemeClr val="dk1"/>
+    </dgm:txFillClrLst>
+    <dgm:txEffectClrLst/>
+  </dgm:styleLbl>
+  <dgm:styleLbl name="fgAcc3">
+    <dgm:fillClrLst meth="repeat">
+      <a:schemeClr val="lt1">
+        <a:alpha val="90000"/>
+      </a:schemeClr>
+    </dgm:fillClrLst>
+    <dgm:linClrLst meth="repeat">
+      <a:schemeClr val="accent1"/>
+    </dgm:linClrLst>
+    <dgm:effectClrLst/>
+    <dgm:txLinClrLst/>
+    <dgm:txFillClrLst meth="repeat">
+      <a:schemeClr val="dk1"/>
+    </dgm:txFillClrLst>
+    <dgm:txEffectClrLst/>
+  </dgm:styleLbl>
+  <dgm:styleLbl name="fgAcc4">
+    <dgm:fillClrLst meth="repeat">
+      <a:schemeClr val="lt1">
+        <a:alpha val="90000"/>
+      </a:schemeClr>
+    </dgm:fillClrLst>
+    <dgm:linClrLst meth="repeat">
+      <a:schemeClr val="accent1"/>
+    </dgm:linClrLst>
+    <dgm:effectClrLst/>
+    <dgm:txLinClrLst/>
+    <dgm:txFillClrLst meth="repeat">
+      <a:schemeClr val="dk1"/>
+    </dgm:txFillClrLst>
+    <dgm:txEffectClrLst/>
+  </dgm:styleLbl>
+  <dgm:styleLbl name="bgShp">
+    <dgm:fillClrLst meth="repeat">
+      <a:schemeClr val="accent1">
+        <a:tint val="40000"/>
+      </a:schemeClr>
+    </dgm:fillClrLst>
+    <dgm:linClrLst meth="repeat">
+      <a:schemeClr val="accent1"/>
+    </dgm:linClrLst>
+    <dgm:effectClrLst/>
+    <dgm:txLinClrLst/>
+    <dgm:txFillClrLst meth="repeat">
+      <a:schemeClr val="dk1"/>
+    </dgm:txFillClrLst>
+    <dgm:txEffectClrLst/>
+  </dgm:styleLbl>
+  <dgm:styleLbl name="dkBgShp">
+    <dgm:fillClrLst meth="repeat">
+      <a:schemeClr val="accent1">
+        <a:shade val="80000"/>
+      </a:schemeClr>
+    </dgm:fillClrLst>
+    <dgm:linClrLst meth="repeat">
+      <a:schemeClr val="accent1"/>
+    </dgm:linClrLst>
+    <dgm:effectClrLst/>
+    <dgm:txLinClrLst/>
+    <dgm:txFillClrLst meth="repeat">
+      <a:schemeClr val="lt1"/>
+    </dgm:txFillClrLst>
+    <dgm:txEffectClrLst/>
+  </dgm:styleLbl>
+  <dgm:styleLbl name="trBgShp">
+    <dgm:fillClrLst meth="repeat">
+      <a:schemeClr val="accent1">
+        <a:tint val="50000"/>
+        <a:alpha val="40000"/>
+      </a:schemeClr>
+    </dgm:fillClrLst>
+    <dgm:linClrLst meth="repeat">
+      <a:schemeClr val="accent1"/>
+    </dgm:linClrLst>
+    <dgm:effectClrLst/>
+    <dgm:txLinClrLst/>
+    <dgm:txFillClrLst meth="repeat">
+      <a:schemeClr val="lt1"/>
+    </dgm:txFillClrLst>
+    <dgm:txEffectClrLst/>
+  </dgm:styleLbl>
+  <dgm:styleLbl name="fgShp">
+    <dgm:fillClrLst meth="repeat">
+      <a:schemeClr val="accent1">
+        <a:tint val="60000"/>
+      </a:schemeClr>
+    </dgm:fillClrLst>
+    <dgm:linClrLst meth="repeat">
+      <a:schemeClr val="lt1"/>
+    </dgm:linClrLst>
+    <dgm:effectClrLst/>
+    <dgm:txLinClrLst/>
+    <dgm:txFillClrLst meth="repeat">
+      <a:schemeClr val="dk1"/>
+    </dgm:txFillClrLst>
+    <dgm:txEffectClrLst/>
+  </dgm:styleLbl>
+  <dgm:styleLbl name="revTx">
+    <dgm:fillClrLst meth="repeat">
+      <a:schemeClr val="lt1">
+        <a:alpha val="0"/>
+      </a:schemeClr>
+    </dgm:fillClrLst>
+    <dgm:linClrLst meth="repeat">
+      <a:schemeClr val="dk1">
+        <a:alpha val="0"/>
+      </a:schemeClr>
+    </dgm:linClrLst>
+    <dgm:effectClrLst/>
+    <dgm:txLinClrLst/>
+    <dgm:txFillClrLst meth="repeat">
+      <a:schemeClr val="tx1"/>
+    </dgm:txFillClrLst>
+    <dgm:txEffectClrLst/>
+  </dgm:styleLbl>
+</dgm:colorsDef>
+</file>
+
+<file path=ppt/diagrams/colors3.xml><?xml version="1.0" encoding="utf-8"?>
 <dgm:colorsDef xmlns:dgm="http://schemas.openxmlformats.org/drawingml/2006/diagram" xmlns:a="http://schemas.openxmlformats.org/drawingml/2006/main" uniqueId="urn:microsoft.com/office/officeart/2005/8/colors/accent1_2">
   <dgm:title val=""/>
   <dgm:desc val=""/>
@@ -2009,6 +2766,244 @@
             <a:lumMod val="25000"/>
             <a:alpha val="83000"/>
           </a:schemeClr>
+        </a:solidFill>
+      </dgm:spPr>
+      <dgm:t>
+        <a:bodyPr/>
+        <a:lstStyle/>
+        <a:p>
+          <a:r>
+            <a:rPr lang="en-US" sz="1400" b="0" i="0" dirty="0">
+              <a:latin typeface="Arial Hebrew" pitchFamily="2" charset="-79"/>
+              <a:cs typeface="Arial Hebrew" pitchFamily="2" charset="-79"/>
+            </a:rPr>
+            <a:t>Student(s)</a:t>
+          </a:r>
+        </a:p>
+      </dgm:t>
+    </dgm:pt>
+    <dgm:pt modelId="{305B2460-F653-4D42-AAF8-051C11BF92F5}" type="parTrans" cxnId="{F89782A5-07A9-4A4A-9DE6-F22EA9F8A96D}">
+      <dgm:prSet/>
+      <dgm:spPr/>
+      <dgm:t>
+        <a:bodyPr/>
+        <a:lstStyle/>
+        <a:p>
+          <a:endParaRPr lang="en-US" sz="1400" b="0" i="0">
+            <a:latin typeface="Arial Hebrew" pitchFamily="2" charset="-79"/>
+            <a:cs typeface="Arial Hebrew" pitchFamily="2" charset="-79"/>
+          </a:endParaRPr>
+        </a:p>
+      </dgm:t>
+    </dgm:pt>
+    <dgm:pt modelId="{CCC8291E-B0BB-054D-AD7C-5788EC3D8772}" type="sibTrans" cxnId="{F89782A5-07A9-4A4A-9DE6-F22EA9F8A96D}">
+      <dgm:prSet/>
+      <dgm:spPr/>
+      <dgm:t>
+        <a:bodyPr/>
+        <a:lstStyle/>
+        <a:p>
+          <a:endParaRPr lang="en-US" sz="1400" b="0" i="0">
+            <a:latin typeface="Arial Hebrew" pitchFamily="2" charset="-79"/>
+            <a:cs typeface="Arial Hebrew" pitchFamily="2" charset="-79"/>
+          </a:endParaRPr>
+        </a:p>
+      </dgm:t>
+    </dgm:pt>
+    <dgm:pt modelId="{A1A921CC-88B6-8B47-BBEF-2CD4687CACC5}" type="pres">
+      <dgm:prSet presAssocID="{7FE02EF6-FB2B-0E45-841F-08763FABDB8B}" presName="Name0" presStyleCnt="0">
+        <dgm:presLayoutVars>
+          <dgm:dir/>
+          <dgm:resizeHandles val="exact"/>
+        </dgm:presLayoutVars>
+      </dgm:prSet>
+      <dgm:spPr/>
+    </dgm:pt>
+    <dgm:pt modelId="{9F511026-1473-2C4D-93C8-8DD3FB96BB9C}" type="pres">
+      <dgm:prSet presAssocID="{5055CD65-63AB-784D-BD0E-AEB9DB04BA59}" presName="parTxOnly" presStyleLbl="node1" presStyleIdx="0" presStyleCnt="3">
+        <dgm:presLayoutVars>
+          <dgm:bulletEnabled val="1"/>
+        </dgm:presLayoutVars>
+      </dgm:prSet>
+      <dgm:spPr/>
+    </dgm:pt>
+    <dgm:pt modelId="{180EB650-83ED-D748-8D32-C0C8A1E63652}" type="pres">
+      <dgm:prSet presAssocID="{76C6D7FD-0CBA-264C-B818-0FDE56F68C6B}" presName="parSpace" presStyleCnt="0"/>
+      <dgm:spPr/>
+    </dgm:pt>
+    <dgm:pt modelId="{AD0330F9-D96C-E343-ADD5-1BB21DA7BC51}" type="pres">
+      <dgm:prSet presAssocID="{FA3C2F0E-8F84-654C-BCE4-534294949BDF}" presName="parTxOnly" presStyleLbl="node1" presStyleIdx="1" presStyleCnt="3" custLinFactNeighborX="4574">
+        <dgm:presLayoutVars>
+          <dgm:bulletEnabled val="1"/>
+        </dgm:presLayoutVars>
+      </dgm:prSet>
+      <dgm:spPr/>
+    </dgm:pt>
+    <dgm:pt modelId="{FD820BE3-84A5-9E4C-993E-DCE55C211DE4}" type="pres">
+      <dgm:prSet presAssocID="{BAAD92D7-F62E-8644-8746-14C686BD87D7}" presName="parSpace" presStyleCnt="0"/>
+      <dgm:spPr/>
+    </dgm:pt>
+    <dgm:pt modelId="{7A7B8F3F-5614-B240-A1AE-CF12817E9660}" type="pres">
+      <dgm:prSet presAssocID="{FC1390F3-519D-8D40-9C8F-6B8B233D10D1}" presName="parTxOnly" presStyleLbl="node1" presStyleIdx="2" presStyleCnt="3">
+        <dgm:presLayoutVars>
+          <dgm:bulletEnabled val="1"/>
+        </dgm:presLayoutVars>
+      </dgm:prSet>
+      <dgm:spPr/>
+    </dgm:pt>
+  </dgm:ptLst>
+  <dgm:cxnLst>
+    <dgm:cxn modelId="{F1E89014-AB40-494F-9507-3FEDE0B25604}" type="presOf" srcId="{5055CD65-63AB-784D-BD0E-AEB9DB04BA59}" destId="{9F511026-1473-2C4D-93C8-8DD3FB96BB9C}" srcOrd="0" destOrd="0" presId="urn:microsoft.com/office/officeart/2005/8/layout/hChevron3"/>
+    <dgm:cxn modelId="{9FC7D732-4CF3-BF41-B8CC-784B1A0C5B52}" srcId="{7FE02EF6-FB2B-0E45-841F-08763FABDB8B}" destId="{5055CD65-63AB-784D-BD0E-AEB9DB04BA59}" srcOrd="0" destOrd="0" parTransId="{BBB0739D-7A26-9243-981B-857CE3D9295E}" sibTransId="{76C6D7FD-0CBA-264C-B818-0FDE56F68C6B}"/>
+    <dgm:cxn modelId="{66943B50-AB00-1F4E-A6CD-CE464A6E7CCF}" type="presOf" srcId="{7FE02EF6-FB2B-0E45-841F-08763FABDB8B}" destId="{A1A921CC-88B6-8B47-BBEF-2CD4687CACC5}" srcOrd="0" destOrd="0" presId="urn:microsoft.com/office/officeart/2005/8/layout/hChevron3"/>
+    <dgm:cxn modelId="{944C3C71-28B2-2F48-A4AC-A92F34F73C5C}" type="presOf" srcId="{FC1390F3-519D-8D40-9C8F-6B8B233D10D1}" destId="{7A7B8F3F-5614-B240-A1AE-CF12817E9660}" srcOrd="0" destOrd="0" presId="urn:microsoft.com/office/officeart/2005/8/layout/hChevron3"/>
+    <dgm:cxn modelId="{F89782A5-07A9-4A4A-9DE6-F22EA9F8A96D}" srcId="{7FE02EF6-FB2B-0E45-841F-08763FABDB8B}" destId="{FC1390F3-519D-8D40-9C8F-6B8B233D10D1}" srcOrd="2" destOrd="0" parTransId="{305B2460-F653-4D42-AAF8-051C11BF92F5}" sibTransId="{CCC8291E-B0BB-054D-AD7C-5788EC3D8772}"/>
+    <dgm:cxn modelId="{C0298FF4-E1A7-1E4B-B3CC-01C25561FE39}" srcId="{7FE02EF6-FB2B-0E45-841F-08763FABDB8B}" destId="{FA3C2F0E-8F84-654C-BCE4-534294949BDF}" srcOrd="1" destOrd="0" parTransId="{53B80B62-661A-0842-84F4-B4E51B045932}" sibTransId="{BAAD92D7-F62E-8644-8746-14C686BD87D7}"/>
+    <dgm:cxn modelId="{A33751F9-9157-534D-A385-7A7FA50D7123}" type="presOf" srcId="{FA3C2F0E-8F84-654C-BCE4-534294949BDF}" destId="{AD0330F9-D96C-E343-ADD5-1BB21DA7BC51}" srcOrd="0" destOrd="0" presId="urn:microsoft.com/office/officeart/2005/8/layout/hChevron3"/>
+    <dgm:cxn modelId="{C2947731-6788-C046-B710-DEDA275DF07D}" type="presParOf" srcId="{A1A921CC-88B6-8B47-BBEF-2CD4687CACC5}" destId="{9F511026-1473-2C4D-93C8-8DD3FB96BB9C}" srcOrd="0" destOrd="0" presId="urn:microsoft.com/office/officeart/2005/8/layout/hChevron3"/>
+    <dgm:cxn modelId="{03C8808C-976D-C742-88BE-D61A851F932C}" type="presParOf" srcId="{A1A921CC-88B6-8B47-BBEF-2CD4687CACC5}" destId="{180EB650-83ED-D748-8D32-C0C8A1E63652}" srcOrd="1" destOrd="0" presId="urn:microsoft.com/office/officeart/2005/8/layout/hChevron3"/>
+    <dgm:cxn modelId="{33786AC1-BCA5-4243-AE1F-468D4498D64F}" type="presParOf" srcId="{A1A921CC-88B6-8B47-BBEF-2CD4687CACC5}" destId="{AD0330F9-D96C-E343-ADD5-1BB21DA7BC51}" srcOrd="2" destOrd="0" presId="urn:microsoft.com/office/officeart/2005/8/layout/hChevron3"/>
+    <dgm:cxn modelId="{01E6F57E-7B49-D842-A23A-B87158AC5468}" type="presParOf" srcId="{A1A921CC-88B6-8B47-BBEF-2CD4687CACC5}" destId="{FD820BE3-84A5-9E4C-993E-DCE55C211DE4}" srcOrd="3" destOrd="0" presId="urn:microsoft.com/office/officeart/2005/8/layout/hChevron3"/>
+    <dgm:cxn modelId="{03DF69B9-ADBB-8D41-96E7-4AD2FFF79D37}" type="presParOf" srcId="{A1A921CC-88B6-8B47-BBEF-2CD4687CACC5}" destId="{7A7B8F3F-5614-B240-A1AE-CF12817E9660}" srcOrd="4" destOrd="0" presId="urn:microsoft.com/office/officeart/2005/8/layout/hChevron3"/>
+  </dgm:cxnLst>
+  <dgm:bg/>
+  <dgm:whole/>
+  <dgm:extLst>
+    <a:ext uri="http://schemas.microsoft.com/office/drawing/2008/diagram">
+      <dsp:dataModelExt xmlns:dsp="http://schemas.microsoft.com/office/drawing/2008/diagram" relId="rId7" minVer="http://schemas.openxmlformats.org/drawingml/2006/diagram"/>
+    </a:ext>
+  </dgm:extLst>
+</dgm:dataModel>
+</file>
+
+<file path=ppt/diagrams/data3.xml><?xml version="1.0" encoding="utf-8"?>
+<dgm:dataModel xmlns:dgm="http://schemas.openxmlformats.org/drawingml/2006/diagram" xmlns:a="http://schemas.openxmlformats.org/drawingml/2006/main">
+  <dgm:ptLst>
+    <dgm:pt modelId="{7FE02EF6-FB2B-0E45-841F-08763FABDB8B}" type="doc">
+      <dgm:prSet loTypeId="urn:microsoft.com/office/officeart/2005/8/layout/hChevron3" loCatId="" qsTypeId="urn:microsoft.com/office/officeart/2005/8/quickstyle/simple1" qsCatId="simple" csTypeId="urn:microsoft.com/office/officeart/2005/8/colors/accent1_2" csCatId="accent1" phldr="1"/>
+      <dgm:spPr/>
+      <dgm:t>
+        <a:bodyPr/>
+        <a:lstStyle/>
+        <a:p>
+          <a:endParaRPr lang="en-US"/>
+        </a:p>
+      </dgm:t>
+    </dgm:pt>
+    <dgm:pt modelId="{5055CD65-63AB-784D-BD0E-AEB9DB04BA59}">
+      <dgm:prSet phldrT="[Text]" custT="1"/>
+      <dgm:spPr>
+        <a:solidFill>
+          <a:schemeClr val="bg2">
+            <a:lumMod val="25000"/>
+            <a:alpha val="83000"/>
+          </a:schemeClr>
+        </a:solidFill>
+      </dgm:spPr>
+      <dgm:t>
+        <a:bodyPr/>
+        <a:lstStyle/>
+        <a:p>
+          <a:r>
+            <a:rPr lang="en-US" sz="1400" b="0" i="0" dirty="0">
+              <a:solidFill>
+                <a:schemeClr val="bg1"/>
+              </a:solidFill>
+              <a:latin typeface="Arial Hebrew" pitchFamily="2" charset="-79"/>
+              <a:cs typeface="Arial Hebrew" pitchFamily="2" charset="-79"/>
+            </a:rPr>
+            <a:t>Welcome</a:t>
+          </a:r>
+        </a:p>
+      </dgm:t>
+    </dgm:pt>
+    <dgm:pt modelId="{BBB0739D-7A26-9243-981B-857CE3D9295E}" type="parTrans" cxnId="{9FC7D732-4CF3-BF41-B8CC-784B1A0C5B52}">
+      <dgm:prSet/>
+      <dgm:spPr/>
+      <dgm:t>
+        <a:bodyPr/>
+        <a:lstStyle/>
+        <a:p>
+          <a:endParaRPr lang="en-US" sz="1400" b="0" i="0">
+            <a:latin typeface="Arial Hebrew" pitchFamily="2" charset="-79"/>
+            <a:cs typeface="Arial Hebrew" pitchFamily="2" charset="-79"/>
+          </a:endParaRPr>
+        </a:p>
+      </dgm:t>
+    </dgm:pt>
+    <dgm:pt modelId="{76C6D7FD-0CBA-264C-B818-0FDE56F68C6B}" type="sibTrans" cxnId="{9FC7D732-4CF3-BF41-B8CC-784B1A0C5B52}">
+      <dgm:prSet/>
+      <dgm:spPr/>
+      <dgm:t>
+        <a:bodyPr/>
+        <a:lstStyle/>
+        <a:p>
+          <a:endParaRPr lang="en-US" sz="1400" b="0" i="0">
+            <a:latin typeface="Arial Hebrew" pitchFamily="2" charset="-79"/>
+            <a:cs typeface="Arial Hebrew" pitchFamily="2" charset="-79"/>
+          </a:endParaRPr>
+        </a:p>
+      </dgm:t>
+    </dgm:pt>
+    <dgm:pt modelId="{FA3C2F0E-8F84-654C-BCE4-534294949BDF}">
+      <dgm:prSet phldrT="[Text]" custT="1"/>
+      <dgm:spPr>
+        <a:solidFill>
+          <a:schemeClr val="bg2">
+            <a:lumMod val="25000"/>
+            <a:alpha val="83000"/>
+          </a:schemeClr>
+        </a:solidFill>
+      </dgm:spPr>
+      <dgm:t>
+        <a:bodyPr/>
+        <a:lstStyle/>
+        <a:p>
+          <a:r>
+            <a:rPr lang="en-US" sz="1400" b="0" i="0" dirty="0">
+              <a:latin typeface="Arial Hebrew" pitchFamily="2" charset="-79"/>
+              <a:cs typeface="Arial Hebrew" pitchFamily="2" charset="-79"/>
+            </a:rPr>
+            <a:t>Profile</a:t>
+          </a:r>
+        </a:p>
+      </dgm:t>
+    </dgm:pt>
+    <dgm:pt modelId="{53B80B62-661A-0842-84F4-B4E51B045932}" type="parTrans" cxnId="{C0298FF4-E1A7-1E4B-B3CC-01C25561FE39}">
+      <dgm:prSet/>
+      <dgm:spPr/>
+      <dgm:t>
+        <a:bodyPr/>
+        <a:lstStyle/>
+        <a:p>
+          <a:endParaRPr lang="en-US" sz="1400" b="0" i="0">
+            <a:latin typeface="Arial Hebrew" pitchFamily="2" charset="-79"/>
+            <a:cs typeface="Arial Hebrew" pitchFamily="2" charset="-79"/>
+          </a:endParaRPr>
+        </a:p>
+      </dgm:t>
+    </dgm:pt>
+    <dgm:pt modelId="{BAAD92D7-F62E-8644-8746-14C686BD87D7}" type="sibTrans" cxnId="{C0298FF4-E1A7-1E4B-B3CC-01C25561FE39}">
+      <dgm:prSet/>
+      <dgm:spPr/>
+      <dgm:t>
+        <a:bodyPr/>
+        <a:lstStyle/>
+        <a:p>
+          <a:endParaRPr lang="en-US" sz="1400" b="0" i="0">
+            <a:latin typeface="Arial Hebrew" pitchFamily="2" charset="-79"/>
+            <a:cs typeface="Arial Hebrew" pitchFamily="2" charset="-79"/>
+          </a:endParaRPr>
+        </a:p>
+      </dgm:t>
+    </dgm:pt>
+    <dgm:pt modelId="{FC1390F3-519D-8D40-9C8F-6B8B233D10D1}">
+      <dgm:prSet phldrT="[Text]" custT="1"/>
+      <dgm:spPr>
+        <a:solidFill>
+          <a:srgbClr val="941100">
+            <a:alpha val="83000"/>
+          </a:srgbClr>
         </a:solidFill>
       </dgm:spPr>
       <dgm:t>
@@ -2621,6 +3616,257 @@
 </dsp:drawing>
 </file>
 
+<file path=ppt/diagrams/drawing3.xml><?xml version="1.0" encoding="utf-8"?>
+<dsp:drawing xmlns:dgm="http://schemas.openxmlformats.org/drawingml/2006/diagram" xmlns:dsp="http://schemas.microsoft.com/office/drawing/2008/diagram" xmlns:a="http://schemas.openxmlformats.org/drawingml/2006/main">
+  <dsp:spTree>
+    <dsp:nvGrpSpPr>
+      <dsp:cNvPr id="0" name=""/>
+      <dsp:cNvGrpSpPr/>
+    </dsp:nvGrpSpPr>
+    <dsp:grpSpPr/>
+    <dsp:sp modelId="{9F511026-1473-2C4D-93C8-8DD3FB96BB9C}">
+      <dsp:nvSpPr>
+        <dsp:cNvPr id="0" name=""/>
+        <dsp:cNvSpPr/>
+      </dsp:nvSpPr>
+      <dsp:spPr>
+        <a:xfrm>
+          <a:off x="5357" y="0"/>
+          <a:ext cx="4685109" cy="628650"/>
+        </a:xfrm>
+        <a:prstGeom prst="homePlate">
+          <a:avLst/>
+        </a:prstGeom>
+        <a:solidFill>
+          <a:schemeClr val="bg2">
+            <a:lumMod val="25000"/>
+            <a:alpha val="83000"/>
+          </a:schemeClr>
+        </a:solidFill>
+        <a:ln w="12700" cap="flat" cmpd="sng" algn="ctr">
+          <a:solidFill>
+            <a:schemeClr val="lt1">
+              <a:hueOff val="0"/>
+              <a:satOff val="0"/>
+              <a:lumOff val="0"/>
+              <a:alphaOff val="0"/>
+            </a:schemeClr>
+          </a:solidFill>
+          <a:prstDash val="solid"/>
+          <a:miter lim="800000"/>
+        </a:ln>
+        <a:effectLst/>
+      </dsp:spPr>
+      <dsp:style>
+        <a:lnRef idx="2">
+          <a:scrgbClr r="0" g="0" b="0"/>
+        </a:lnRef>
+        <a:fillRef idx="1">
+          <a:scrgbClr r="0" g="0" b="0"/>
+        </a:fillRef>
+        <a:effectRef idx="0">
+          <a:scrgbClr r="0" g="0" b="0"/>
+        </a:effectRef>
+        <a:fontRef idx="minor">
+          <a:schemeClr val="lt1"/>
+        </a:fontRef>
+      </dsp:style>
+      <dsp:txBody>
+        <a:bodyPr spcFirstLastPara="0" vert="horz" wrap="square" lIns="74676" tIns="37338" rIns="18669" bIns="37338" numCol="1" spcCol="1270" anchor="ctr" anchorCtr="0">
+          <a:noAutofit/>
+        </a:bodyPr>
+        <a:lstStyle/>
+        <a:p>
+          <a:pPr marL="0" lvl="0" indent="0" algn="ctr" defTabSz="622300">
+            <a:lnSpc>
+              <a:spcPct val="90000"/>
+            </a:lnSpc>
+            <a:spcBef>
+              <a:spcPct val="0"/>
+            </a:spcBef>
+            <a:spcAft>
+              <a:spcPct val="35000"/>
+            </a:spcAft>
+            <a:buNone/>
+          </a:pPr>
+          <a:r>
+            <a:rPr lang="en-US" sz="1400" b="0" i="0" kern="1200" dirty="0">
+              <a:solidFill>
+                <a:schemeClr val="bg1"/>
+              </a:solidFill>
+              <a:latin typeface="Arial Hebrew" pitchFamily="2" charset="-79"/>
+              <a:cs typeface="Arial Hebrew" pitchFamily="2" charset="-79"/>
+            </a:rPr>
+            <a:t>Welcome</a:t>
+          </a:r>
+        </a:p>
+      </dsp:txBody>
+      <dsp:txXfrm>
+        <a:off x="5357" y="0"/>
+        <a:ext cx="4527947" cy="628650"/>
+      </dsp:txXfrm>
+    </dsp:sp>
+    <dsp:sp modelId="{AD0330F9-D96C-E343-ADD5-1BB21DA7BC51}">
+      <dsp:nvSpPr>
+        <dsp:cNvPr id="0" name=""/>
+        <dsp:cNvSpPr/>
+      </dsp:nvSpPr>
+      <dsp:spPr>
+        <a:xfrm>
+          <a:off x="3796304" y="0"/>
+          <a:ext cx="4685109" cy="628650"/>
+        </a:xfrm>
+        <a:prstGeom prst="chevron">
+          <a:avLst/>
+        </a:prstGeom>
+        <a:solidFill>
+          <a:schemeClr val="bg2">
+            <a:lumMod val="25000"/>
+            <a:alpha val="83000"/>
+          </a:schemeClr>
+        </a:solidFill>
+        <a:ln w="12700" cap="flat" cmpd="sng" algn="ctr">
+          <a:solidFill>
+            <a:schemeClr val="lt1">
+              <a:hueOff val="0"/>
+              <a:satOff val="0"/>
+              <a:lumOff val="0"/>
+              <a:alphaOff val="0"/>
+            </a:schemeClr>
+          </a:solidFill>
+          <a:prstDash val="solid"/>
+          <a:miter lim="800000"/>
+        </a:ln>
+        <a:effectLst/>
+      </dsp:spPr>
+      <dsp:style>
+        <a:lnRef idx="2">
+          <a:scrgbClr r="0" g="0" b="0"/>
+        </a:lnRef>
+        <a:fillRef idx="1">
+          <a:scrgbClr r="0" g="0" b="0"/>
+        </a:fillRef>
+        <a:effectRef idx="0">
+          <a:scrgbClr r="0" g="0" b="0"/>
+        </a:effectRef>
+        <a:fontRef idx="minor">
+          <a:schemeClr val="lt1"/>
+        </a:fontRef>
+      </dsp:style>
+      <dsp:txBody>
+        <a:bodyPr spcFirstLastPara="0" vert="horz" wrap="square" lIns="56007" tIns="37338" rIns="18669" bIns="37338" numCol="1" spcCol="1270" anchor="ctr" anchorCtr="0">
+          <a:noAutofit/>
+        </a:bodyPr>
+        <a:lstStyle/>
+        <a:p>
+          <a:pPr marL="0" lvl="0" indent="0" algn="ctr" defTabSz="622300">
+            <a:lnSpc>
+              <a:spcPct val="90000"/>
+            </a:lnSpc>
+            <a:spcBef>
+              <a:spcPct val="0"/>
+            </a:spcBef>
+            <a:spcAft>
+              <a:spcPct val="35000"/>
+            </a:spcAft>
+            <a:buNone/>
+          </a:pPr>
+          <a:r>
+            <a:rPr lang="en-US" sz="1400" b="0" i="0" kern="1200" dirty="0">
+              <a:latin typeface="Arial Hebrew" pitchFamily="2" charset="-79"/>
+              <a:cs typeface="Arial Hebrew" pitchFamily="2" charset="-79"/>
+            </a:rPr>
+            <a:t>Profile</a:t>
+          </a:r>
+        </a:p>
+      </dsp:txBody>
+      <dsp:txXfrm>
+        <a:off x="4110629" y="0"/>
+        <a:ext cx="4056459" cy="628650"/>
+      </dsp:txXfrm>
+    </dsp:sp>
+    <dsp:sp modelId="{7A7B8F3F-5614-B240-A1AE-CF12817E9660}">
+      <dsp:nvSpPr>
+        <dsp:cNvPr id="0" name=""/>
+        <dsp:cNvSpPr/>
+      </dsp:nvSpPr>
+      <dsp:spPr>
+        <a:xfrm>
+          <a:off x="7501532" y="0"/>
+          <a:ext cx="4685109" cy="628650"/>
+        </a:xfrm>
+        <a:prstGeom prst="chevron">
+          <a:avLst/>
+        </a:prstGeom>
+        <a:solidFill>
+          <a:srgbClr val="941100">
+            <a:alpha val="83000"/>
+          </a:srgbClr>
+        </a:solidFill>
+        <a:ln w="12700" cap="flat" cmpd="sng" algn="ctr">
+          <a:solidFill>
+            <a:schemeClr val="lt1">
+              <a:hueOff val="0"/>
+              <a:satOff val="0"/>
+              <a:lumOff val="0"/>
+              <a:alphaOff val="0"/>
+            </a:schemeClr>
+          </a:solidFill>
+          <a:prstDash val="solid"/>
+          <a:miter lim="800000"/>
+        </a:ln>
+        <a:effectLst/>
+      </dsp:spPr>
+      <dsp:style>
+        <a:lnRef idx="2">
+          <a:scrgbClr r="0" g="0" b="0"/>
+        </a:lnRef>
+        <a:fillRef idx="1">
+          <a:scrgbClr r="0" g="0" b="0"/>
+        </a:fillRef>
+        <a:effectRef idx="0">
+          <a:scrgbClr r="0" g="0" b="0"/>
+        </a:effectRef>
+        <a:fontRef idx="minor">
+          <a:schemeClr val="lt1"/>
+        </a:fontRef>
+      </dsp:style>
+      <dsp:txBody>
+        <a:bodyPr spcFirstLastPara="0" vert="horz" wrap="square" lIns="56007" tIns="37338" rIns="18669" bIns="37338" numCol="1" spcCol="1270" anchor="ctr" anchorCtr="0">
+          <a:noAutofit/>
+        </a:bodyPr>
+        <a:lstStyle/>
+        <a:p>
+          <a:pPr marL="0" lvl="0" indent="0" algn="ctr" defTabSz="622300">
+            <a:lnSpc>
+              <a:spcPct val="90000"/>
+            </a:lnSpc>
+            <a:spcBef>
+              <a:spcPct val="0"/>
+            </a:spcBef>
+            <a:spcAft>
+              <a:spcPct val="35000"/>
+            </a:spcAft>
+            <a:buNone/>
+          </a:pPr>
+          <a:r>
+            <a:rPr lang="en-US" sz="1400" b="0" i="0" kern="1200" dirty="0">
+              <a:latin typeface="Arial Hebrew" pitchFamily="2" charset="-79"/>
+              <a:cs typeface="Arial Hebrew" pitchFamily="2" charset="-79"/>
+            </a:rPr>
+            <a:t>Student(s)</a:t>
+          </a:r>
+        </a:p>
+      </dsp:txBody>
+      <dsp:txXfrm>
+        <a:off x="7815857" y="0"/>
+        <a:ext cx="4056459" cy="628650"/>
+      </dsp:txXfrm>
+    </dsp:sp>
+  </dsp:spTree>
+</dsp:drawing>
+</file>
+
 <file path=ppt/diagrams/layout1.xml><?xml version="1.0" encoding="utf-8"?>
 <dgm:layoutDef xmlns:dgm="http://schemas.openxmlformats.org/drawingml/2006/diagram" xmlns:a="http://schemas.openxmlformats.org/drawingml/2006/main" uniqueId="urn:microsoft.com/office/officeart/2005/8/layout/hChevron3">
   <dgm:title val=""/>
@@ -3165,6 +4411,278 @@
 </dgm:layoutDef>
 </file>
 
+<file path=ppt/diagrams/layout3.xml><?xml version="1.0" encoding="utf-8"?>
+<dgm:layoutDef xmlns:dgm="http://schemas.openxmlformats.org/drawingml/2006/diagram" xmlns:a="http://schemas.openxmlformats.org/drawingml/2006/main" uniqueId="urn:microsoft.com/office/officeart/2005/8/layout/hChevron3">
+  <dgm:title val=""/>
+  <dgm:desc val=""/>
+  <dgm:catLst>
+    <dgm:cat type="process" pri="10000"/>
+  </dgm:catLst>
+  <dgm:sampData useDef="1">
+    <dgm:dataModel>
+      <dgm:ptLst/>
+      <dgm:bg/>
+      <dgm:whole/>
+    </dgm:dataModel>
+  </dgm:sampData>
+  <dgm:styleData>
+    <dgm:dataModel>
+      <dgm:ptLst>
+        <dgm:pt modelId="0" type="doc"/>
+        <dgm:pt modelId="1"/>
+        <dgm:pt modelId="2"/>
+      </dgm:ptLst>
+      <dgm:cxnLst>
+        <dgm:cxn modelId="3" srcId="0" destId="1" srcOrd="0" destOrd="0"/>
+        <dgm:cxn modelId="4" srcId="0" destId="2" srcOrd="1" destOrd="0"/>
+      </dgm:cxnLst>
+      <dgm:bg/>
+      <dgm:whole/>
+    </dgm:dataModel>
+  </dgm:styleData>
+  <dgm:clrData>
+    <dgm:dataModel>
+      <dgm:ptLst>
+        <dgm:pt modelId="0" type="doc"/>
+        <dgm:pt modelId="1"/>
+        <dgm:pt modelId="2"/>
+        <dgm:pt modelId="3"/>
+        <dgm:pt modelId="4"/>
+      </dgm:ptLst>
+      <dgm:cxnLst>
+        <dgm:cxn modelId="5" srcId="0" destId="1" srcOrd="0" destOrd="0"/>
+        <dgm:cxn modelId="6" srcId="0" destId="2" srcOrd="1" destOrd="0"/>
+        <dgm:cxn modelId="7" srcId="0" destId="3" srcOrd="2" destOrd="0"/>
+        <dgm:cxn modelId="8" srcId="0" destId="4" srcOrd="3" destOrd="0"/>
+      </dgm:cxnLst>
+      <dgm:bg/>
+      <dgm:whole/>
+    </dgm:dataModel>
+  </dgm:clrData>
+  <dgm:layoutNode name="Name0">
+    <dgm:varLst>
+      <dgm:dir/>
+      <dgm:resizeHandles val="exact"/>
+    </dgm:varLst>
+    <dgm:choose name="Name1">
+      <dgm:if name="Name2" func="var" arg="dir" op="equ" val="norm">
+        <dgm:alg type="lin"/>
+      </dgm:if>
+      <dgm:else name="Name3">
+        <dgm:alg type="lin">
+          <dgm:param type="linDir" val="fromR"/>
+        </dgm:alg>
+      </dgm:else>
+    </dgm:choose>
+    <dgm:shape xmlns:r="http://schemas.openxmlformats.org/officeDocument/2006/relationships" r:blip="">
+      <dgm:adjLst/>
+    </dgm:shape>
+    <dgm:presOf/>
+    <dgm:choose name="Name4">
+      <dgm:if name="Name5" axis="root des" func="maxDepth" op="gte" val="2">
+        <dgm:constrLst>
+          <dgm:constr type="w" for="ch" forName="parAndChTx" refType="w"/>
+          <dgm:constr type="primFontSz" for="ch" ptType="node" op="equ"/>
+          <dgm:constr type="w" for="ch" forName="parAndChSpace" refType="w" refFor="ch" refForName="parAndChTx" fact="-0.2"/>
+          <dgm:constr type="w" for="ch" ptType="sibTrans" op="equ"/>
+        </dgm:constrLst>
+        <dgm:ruleLst/>
+        <dgm:forEach name="Name6" axis="ch" ptType="node">
+          <dgm:layoutNode name="parAndChTx">
+            <dgm:varLst>
+              <dgm:bulletEnabled val="1"/>
+            </dgm:varLst>
+            <dgm:alg type="tx"/>
+            <dgm:choose name="Name7">
+              <dgm:if name="Name8" func="var" arg="dir" op="equ" val="norm">
+                <dgm:choose name="Name9">
+                  <dgm:if name="Name10" axis="self" ptType="node" func="pos" op="equ" val="1">
+                    <dgm:shape xmlns:r="http://schemas.openxmlformats.org/officeDocument/2006/relationships" type="homePlate" r:blip="">
+                      <dgm:adjLst>
+                        <dgm:adj idx="1" val="0.25"/>
+                      </dgm:adjLst>
+                    </dgm:shape>
+                    <dgm:presOf axis="desOrSelf" ptType="node"/>
+                    <dgm:constrLst>
+                      <dgm:constr type="h" refType="w" op="equ" fact="0.8"/>
+                      <dgm:constr type="primFontSz" val="65"/>
+                      <dgm:constr type="tMarg" refType="primFontSz" fact="0.2"/>
+                      <dgm:constr type="bMarg" refType="primFontSz" fact="0.2"/>
+                      <dgm:constr type="lMarg" refType="w" fact="0.1"/>
+                      <dgm:constr type="rMarg" refType="w" fact="0.4"/>
+                    </dgm:constrLst>
+                  </dgm:if>
+                  <dgm:else name="Name11">
+                    <dgm:shape xmlns:r="http://schemas.openxmlformats.org/officeDocument/2006/relationships" type="chevron" r:blip="">
+                      <dgm:adjLst>
+                        <dgm:adj idx="1" val="0.25"/>
+                      </dgm:adjLst>
+                    </dgm:shape>
+                    <dgm:presOf axis="desOrSelf" ptType="node"/>
+                    <dgm:constrLst>
+                      <dgm:constr type="h" refType="w" op="equ" fact="0.8"/>
+                      <dgm:constr type="primFontSz" val="65"/>
+                      <dgm:constr type="tMarg" refType="primFontSz" fact="0.2"/>
+                      <dgm:constr type="bMarg" refType="primFontSz" fact="0.2"/>
+                      <dgm:constr type="lMarg" refType="w" fact="0.1"/>
+                      <dgm:constr type="rMarg" refType="w" fact="0.1"/>
+                    </dgm:constrLst>
+                  </dgm:else>
+                </dgm:choose>
+              </dgm:if>
+              <dgm:else name="Name12">
+                <dgm:choose name="Name13">
+                  <dgm:if name="Name14" axis="self" ptType="node" func="pos" op="equ" val="1">
+                    <dgm:shape xmlns:r="http://schemas.openxmlformats.org/officeDocument/2006/relationships" rot="180" type="homePlate" r:blip="">
+                      <dgm:adjLst>
+                        <dgm:adj idx="1" val="0.25"/>
+                      </dgm:adjLst>
+                    </dgm:shape>
+                    <dgm:presOf axis="desOrSelf" ptType="node"/>
+                    <dgm:constrLst>
+                      <dgm:constr type="h" refType="w" op="equ" fact="0.8"/>
+                      <dgm:constr type="primFontSz" val="65"/>
+                      <dgm:constr type="tMarg" refType="primFontSz" fact="0.2"/>
+                      <dgm:constr type="bMarg" refType="primFontSz" fact="0.2"/>
+                      <dgm:constr type="lMarg" refType="w" fact="0.4"/>
+                      <dgm:constr type="rMarg" refType="w" fact="0.1"/>
+                    </dgm:constrLst>
+                  </dgm:if>
+                  <dgm:else name="Name15">
+                    <dgm:shape xmlns:r="http://schemas.openxmlformats.org/officeDocument/2006/relationships" rot="180" type="chevron" r:blip="">
+                      <dgm:adjLst>
+                        <dgm:adj idx="1" val="0.25"/>
+                      </dgm:adjLst>
+                    </dgm:shape>
+                    <dgm:presOf axis="desOrSelf" ptType="node"/>
+                    <dgm:constrLst>
+                      <dgm:constr type="h" refType="w" op="equ" fact="0.8"/>
+                      <dgm:constr type="primFontSz" val="65"/>
+                      <dgm:constr type="tMarg" refType="primFontSz" fact="0.2"/>
+                      <dgm:constr type="bMarg" refType="primFontSz" fact="0.2"/>
+                      <dgm:constr type="lMarg" refType="w" fact="0.1"/>
+                      <dgm:constr type="rMarg" refType="w" fact="0.1"/>
+                    </dgm:constrLst>
+                  </dgm:else>
+                </dgm:choose>
+              </dgm:else>
+            </dgm:choose>
+            <dgm:ruleLst>
+              <dgm:rule type="primFontSz" val="5" fact="NaN" max="NaN"/>
+            </dgm:ruleLst>
+          </dgm:layoutNode>
+          <dgm:forEach name="Name16" axis="followSib" ptType="sibTrans" cnt="1">
+            <dgm:layoutNode name="parAndChSpace">
+              <dgm:alg type="sp"/>
+              <dgm:shape xmlns:r="http://schemas.openxmlformats.org/officeDocument/2006/relationships" r:blip="">
+                <dgm:adjLst/>
+              </dgm:shape>
+              <dgm:presOf/>
+              <dgm:constrLst/>
+              <dgm:ruleLst/>
+            </dgm:layoutNode>
+          </dgm:forEach>
+        </dgm:forEach>
+      </dgm:if>
+      <dgm:else name="Name17">
+        <dgm:constrLst>
+          <dgm:constr type="w" for="ch" forName="parTxOnly" refType="w"/>
+          <dgm:constr type="primFontSz" for="ch" ptType="node" op="equ"/>
+          <dgm:constr type="w" for="ch" forName="parSpace" refType="w" refFor="ch" refForName="parTxOnly" fact="-0.2"/>
+          <dgm:constr type="w" for="ch" ptType="sibTrans" op="equ"/>
+        </dgm:constrLst>
+        <dgm:ruleLst/>
+        <dgm:forEach name="Name18" axis="ch" ptType="node">
+          <dgm:layoutNode name="parTxOnly">
+            <dgm:varLst>
+              <dgm:bulletEnabled val="1"/>
+            </dgm:varLst>
+            <dgm:alg type="tx"/>
+            <dgm:presOf axis="desOrSelf" ptType="node"/>
+            <dgm:choose name="Name19">
+              <dgm:if name="Name20" func="var" arg="dir" op="equ" val="norm">
+                <dgm:choose name="Name21">
+                  <dgm:if name="Name22" axis="self" ptType="node" func="pos" op="equ" val="1">
+                    <dgm:shape xmlns:r="http://schemas.openxmlformats.org/officeDocument/2006/relationships" type="homePlate" r:blip="">
+                      <dgm:adjLst/>
+                    </dgm:shape>
+                    <dgm:constrLst>
+                      <dgm:constr type="h" refType="w" op="equ" fact="0.4"/>
+                      <dgm:constr type="primFontSz" val="65"/>
+                      <dgm:constr type="tMarg" refType="primFontSz" fact="0.21"/>
+                      <dgm:constr type="bMarg" refType="primFontSz" fact="0.21"/>
+                      <dgm:constr type="lMarg" refType="primFontSz" fact="0.42"/>
+                      <dgm:constr type="rMarg" refType="primFontSz" fact="0.105"/>
+                    </dgm:constrLst>
+                  </dgm:if>
+                  <dgm:else name="Name23">
+                    <dgm:shape xmlns:r="http://schemas.openxmlformats.org/officeDocument/2006/relationships" type="chevron" r:blip="">
+                      <dgm:adjLst/>
+                    </dgm:shape>
+                    <dgm:constrLst>
+                      <dgm:constr type="h" refType="w" op="equ" fact="0.4"/>
+                      <dgm:constr type="primFontSz" val="65"/>
+                      <dgm:constr type="tMarg" refType="primFontSz" fact="0.21"/>
+                      <dgm:constr type="bMarg" refType="primFontSz" fact="0.21"/>
+                      <dgm:constr type="lMarg" refType="primFontSz" fact="0.315"/>
+                      <dgm:constr type="rMarg" refType="primFontSz" fact="0.105"/>
+                    </dgm:constrLst>
+                  </dgm:else>
+                </dgm:choose>
+              </dgm:if>
+              <dgm:else name="Name24">
+                <dgm:choose name="Name25">
+                  <dgm:if name="Name26" axis="self" ptType="node" func="pos" op="equ" val="1">
+                    <dgm:shape xmlns:r="http://schemas.openxmlformats.org/officeDocument/2006/relationships" rot="180" type="homePlate" r:blip="">
+                      <dgm:adjLst/>
+                    </dgm:shape>
+                    <dgm:constrLst>
+                      <dgm:constr type="h" refType="w" op="equ" fact="0.4"/>
+                      <dgm:constr type="primFontSz" val="65"/>
+                      <dgm:constr type="tMarg" refType="primFontSz" fact="0.21"/>
+                      <dgm:constr type="bMarg" refType="primFontSz" fact="0.21"/>
+                      <dgm:constr type="lMarg" refType="primFontSz" fact="0.105"/>
+                      <dgm:constr type="rMarg" refType="primFontSz" fact="0.42"/>
+                    </dgm:constrLst>
+                  </dgm:if>
+                  <dgm:else name="Name27">
+                    <dgm:shape xmlns:r="http://schemas.openxmlformats.org/officeDocument/2006/relationships" rot="180" type="chevron" r:blip="">
+                      <dgm:adjLst/>
+                    </dgm:shape>
+                    <dgm:constrLst>
+                      <dgm:constr type="h" refType="w" op="equ" fact="0.4"/>
+                      <dgm:constr type="primFontSz" val="65"/>
+                      <dgm:constr type="tMarg" refType="primFontSz" fact="0.21"/>
+                      <dgm:constr type="bMarg" refType="primFontSz" fact="0.21"/>
+                      <dgm:constr type="lMarg" refType="primFontSz" fact="0.105"/>
+                      <dgm:constr type="rMarg" refType="primFontSz" fact="0.315"/>
+                    </dgm:constrLst>
+                  </dgm:else>
+                </dgm:choose>
+              </dgm:else>
+            </dgm:choose>
+            <dgm:ruleLst>
+              <dgm:rule type="primFontSz" val="5" fact="NaN" max="NaN"/>
+            </dgm:ruleLst>
+          </dgm:layoutNode>
+          <dgm:forEach name="Name28" axis="followSib" ptType="sibTrans" cnt="1">
+            <dgm:layoutNode name="parSpace">
+              <dgm:alg type="sp"/>
+              <dgm:shape xmlns:r="http://schemas.openxmlformats.org/officeDocument/2006/relationships" r:blip="">
+                <dgm:adjLst/>
+              </dgm:shape>
+              <dgm:presOf/>
+              <dgm:constrLst/>
+              <dgm:ruleLst/>
+            </dgm:layoutNode>
+          </dgm:forEach>
+        </dgm:forEach>
+      </dgm:else>
+    </dgm:choose>
+  </dgm:layoutNode>
+</dgm:layoutDef>
+</file>
+
 <file path=ppt/diagrams/quickStyle1.xml><?xml version="1.0" encoding="utf-8"?>
 <dgm:styleDef xmlns:dgm="http://schemas.openxmlformats.org/drawingml/2006/diagram" xmlns:a="http://schemas.openxmlformats.org/drawingml/2006/main" uniqueId="urn:microsoft.com/office/officeart/2005/8/quickstyle/simple1">
   <dgm:title val=""/>
@@ -4200,6 +5718,1040 @@
 </file>
 
 <file path=ppt/diagrams/quickStyle2.xml><?xml version="1.0" encoding="utf-8"?>
+<dgm:styleDef xmlns:dgm="http://schemas.openxmlformats.org/drawingml/2006/diagram" xmlns:a="http://schemas.openxmlformats.org/drawingml/2006/main" uniqueId="urn:microsoft.com/office/officeart/2005/8/quickstyle/simple1">
+  <dgm:title val=""/>
+  <dgm:desc val=""/>
+  <dgm:catLst>
+    <dgm:cat type="simple" pri="10100"/>
+  </dgm:catLst>
+  <dgm:scene3d>
+    <a:camera prst="orthographicFront"/>
+    <a:lightRig rig="threePt" dir="t"/>
+  </dgm:scene3d>
+  <dgm:styleLbl name="node0">
+    <dgm:scene3d>
+      <a:camera prst="orthographicFront"/>
+      <a:lightRig rig="threePt" dir="t"/>
+    </dgm:scene3d>
+    <dgm:sp3d/>
+    <dgm:txPr/>
+    <dgm:style>
+      <a:lnRef idx="2">
+        <a:scrgbClr r="0" g="0" b="0"/>
+      </a:lnRef>
+      <a:fillRef idx="1">
+        <a:scrgbClr r="0" g="0" b="0"/>
+      </a:fillRef>
+      <a:effectRef idx="0">
+        <a:scrgbClr r="0" g="0" b="0"/>
+      </a:effectRef>
+      <a:fontRef idx="minor">
+        <a:schemeClr val="lt1"/>
+      </a:fontRef>
+    </dgm:style>
+  </dgm:styleLbl>
+  <dgm:styleLbl name="lnNode1">
+    <dgm:scene3d>
+      <a:camera prst="orthographicFront"/>
+      <a:lightRig rig="threePt" dir="t"/>
+    </dgm:scene3d>
+    <dgm:sp3d/>
+    <dgm:txPr/>
+    <dgm:style>
+      <a:lnRef idx="2">
+        <a:scrgbClr r="0" g="0" b="0"/>
+      </a:lnRef>
+      <a:fillRef idx="1">
+        <a:scrgbClr r="0" g="0" b="0"/>
+      </a:fillRef>
+      <a:effectRef idx="0">
+        <a:scrgbClr r="0" g="0" b="0"/>
+      </a:effectRef>
+      <a:fontRef idx="minor">
+        <a:schemeClr val="lt1"/>
+      </a:fontRef>
+    </dgm:style>
+  </dgm:styleLbl>
+  <dgm:styleLbl name="vennNode1">
+    <dgm:scene3d>
+      <a:camera prst="orthographicFront"/>
+      <a:lightRig rig="threePt" dir="t"/>
+    </dgm:scene3d>
+    <dgm:sp3d/>
+    <dgm:txPr/>
+    <dgm:style>
+      <a:lnRef idx="2">
+        <a:scrgbClr r="0" g="0" b="0"/>
+      </a:lnRef>
+      <a:fillRef idx="1">
+        <a:scrgbClr r="0" g="0" b="0"/>
+      </a:fillRef>
+      <a:effectRef idx="0">
+        <a:scrgbClr r="0" g="0" b="0"/>
+      </a:effectRef>
+      <a:fontRef idx="minor">
+        <a:schemeClr val="tx1"/>
+      </a:fontRef>
+    </dgm:style>
+  </dgm:styleLbl>
+  <dgm:styleLbl name="alignNode1">
+    <dgm:scene3d>
+      <a:camera prst="orthographicFront"/>
+      <a:lightRig rig="threePt" dir="t"/>
+    </dgm:scene3d>
+    <dgm:sp3d/>
+    <dgm:txPr/>
+    <dgm:style>
+      <a:lnRef idx="2">
+        <a:scrgbClr r="0" g="0" b="0"/>
+      </a:lnRef>
+      <a:fillRef idx="1">
+        <a:scrgbClr r="0" g="0" b="0"/>
+      </a:fillRef>
+      <a:effectRef idx="0">
+        <a:scrgbClr r="0" g="0" b="0"/>
+      </a:effectRef>
+      <a:fontRef idx="minor">
+        <a:schemeClr val="lt1"/>
+      </a:fontRef>
+    </dgm:style>
+  </dgm:styleLbl>
+  <dgm:styleLbl name="node1">
+    <dgm:scene3d>
+      <a:camera prst="orthographicFront"/>
+      <a:lightRig rig="threePt" dir="t"/>
+    </dgm:scene3d>
+    <dgm:sp3d/>
+    <dgm:txPr/>
+    <dgm:style>
+      <a:lnRef idx="2">
+        <a:scrgbClr r="0" g="0" b="0"/>
+      </a:lnRef>
+      <a:fillRef idx="1">
+        <a:scrgbClr r="0" g="0" b="0"/>
+      </a:fillRef>
+      <a:effectRef idx="0">
+        <a:scrgbClr r="0" g="0" b="0"/>
+      </a:effectRef>
+      <a:fontRef idx="minor">
+        <a:schemeClr val="lt1"/>
+      </a:fontRef>
+    </dgm:style>
+  </dgm:styleLbl>
+  <dgm:styleLbl name="node2">
+    <dgm:scene3d>
+      <a:camera prst="orthographicFront"/>
+      <a:lightRig rig="threePt" dir="t"/>
+    </dgm:scene3d>
+    <dgm:sp3d/>
+    <dgm:txPr/>
+    <dgm:style>
+      <a:lnRef idx="2">
+        <a:scrgbClr r="0" g="0" b="0"/>
+      </a:lnRef>
+      <a:fillRef idx="1">
+        <a:scrgbClr r="0" g="0" b="0"/>
+      </a:fillRef>
+      <a:effectRef idx="0">
+        <a:scrgbClr r="0" g="0" b="0"/>
+      </a:effectRef>
+      <a:fontRef idx="minor">
+        <a:schemeClr val="lt1"/>
+      </a:fontRef>
+    </dgm:style>
+  </dgm:styleLbl>
+  <dgm:styleLbl name="node3">
+    <dgm:scene3d>
+      <a:camera prst="orthographicFront"/>
+      <a:lightRig rig="threePt" dir="t"/>
+    </dgm:scene3d>
+    <dgm:sp3d/>
+    <dgm:txPr/>
+    <dgm:style>
+      <a:lnRef idx="2">
+        <a:scrgbClr r="0" g="0" b="0"/>
+      </a:lnRef>
+      <a:fillRef idx="1">
+        <a:scrgbClr r="0" g="0" b="0"/>
+      </a:fillRef>
+      <a:effectRef idx="0">
+        <a:scrgbClr r="0" g="0" b="0"/>
+      </a:effectRef>
+      <a:fontRef idx="minor">
+        <a:schemeClr val="lt1"/>
+      </a:fontRef>
+    </dgm:style>
+  </dgm:styleLbl>
+  <dgm:styleLbl name="node4">
+    <dgm:scene3d>
+      <a:camera prst="orthographicFront"/>
+      <a:lightRig rig="threePt" dir="t"/>
+    </dgm:scene3d>
+    <dgm:sp3d/>
+    <dgm:txPr/>
+    <dgm:style>
+      <a:lnRef idx="2">
+        <a:scrgbClr r="0" g="0" b="0"/>
+      </a:lnRef>
+      <a:fillRef idx="1">
+        <a:scrgbClr r="0" g="0" b="0"/>
+      </a:fillRef>
+      <a:effectRef idx="0">
+        <a:scrgbClr r="0" g="0" b="0"/>
+      </a:effectRef>
+      <a:fontRef idx="minor">
+        <a:schemeClr val="lt1"/>
+      </a:fontRef>
+    </dgm:style>
+  </dgm:styleLbl>
+  <dgm:styleLbl name="fgImgPlace1">
+    <dgm:scene3d>
+      <a:camera prst="orthographicFront"/>
+      <a:lightRig rig="threePt" dir="t"/>
+    </dgm:scene3d>
+    <dgm:sp3d/>
+    <dgm:txPr/>
+    <dgm:style>
+      <a:lnRef idx="2">
+        <a:scrgbClr r="0" g="0" b="0"/>
+      </a:lnRef>
+      <a:fillRef idx="1">
+        <a:scrgbClr r="0" g="0" b="0"/>
+      </a:fillRef>
+      <a:effectRef idx="0">
+        <a:scrgbClr r="0" g="0" b="0"/>
+      </a:effectRef>
+      <a:fontRef idx="minor"/>
+    </dgm:style>
+  </dgm:styleLbl>
+  <dgm:styleLbl name="alignImgPlace1">
+    <dgm:scene3d>
+      <a:camera prst="orthographicFront"/>
+      <a:lightRig rig="threePt" dir="t"/>
+    </dgm:scene3d>
+    <dgm:sp3d/>
+    <dgm:txPr/>
+    <dgm:style>
+      <a:lnRef idx="2">
+        <a:scrgbClr r="0" g="0" b="0"/>
+      </a:lnRef>
+      <a:fillRef idx="1">
+        <a:scrgbClr r="0" g="0" b="0"/>
+      </a:fillRef>
+      <a:effectRef idx="0">
+        <a:scrgbClr r="0" g="0" b="0"/>
+      </a:effectRef>
+      <a:fontRef idx="minor"/>
+    </dgm:style>
+  </dgm:styleLbl>
+  <dgm:styleLbl name="bgImgPlace1">
+    <dgm:scene3d>
+      <a:camera prst="orthographicFront"/>
+      <a:lightRig rig="threePt" dir="t"/>
+    </dgm:scene3d>
+    <dgm:sp3d/>
+    <dgm:txPr/>
+    <dgm:style>
+      <a:lnRef idx="2">
+        <a:scrgbClr r="0" g="0" b="0"/>
+      </a:lnRef>
+      <a:fillRef idx="1">
+        <a:scrgbClr r="0" g="0" b="0"/>
+      </a:fillRef>
+      <a:effectRef idx="0">
+        <a:scrgbClr r="0" g="0" b="0"/>
+      </a:effectRef>
+      <a:fontRef idx="minor"/>
+    </dgm:style>
+  </dgm:styleLbl>
+  <dgm:styleLbl name="sibTrans2D1">
+    <dgm:scene3d>
+      <a:camera prst="orthographicFront"/>
+      <a:lightRig rig="threePt" dir="t"/>
+    </dgm:scene3d>
+    <dgm:sp3d/>
+    <dgm:txPr/>
+    <dgm:style>
+      <a:lnRef idx="0">
+        <a:scrgbClr r="0" g="0" b="0"/>
+      </a:lnRef>
+      <a:fillRef idx="1">
+        <a:scrgbClr r="0" g="0" b="0"/>
+      </a:fillRef>
+      <a:effectRef idx="0">
+        <a:scrgbClr r="0" g="0" b="0"/>
+      </a:effectRef>
+      <a:fontRef idx="minor">
+        <a:schemeClr val="lt1"/>
+      </a:fontRef>
+    </dgm:style>
+  </dgm:styleLbl>
+  <dgm:styleLbl name="fgSibTrans2D1">
+    <dgm:scene3d>
+      <a:camera prst="orthographicFront"/>
+      <a:lightRig rig="threePt" dir="t"/>
+    </dgm:scene3d>
+    <dgm:sp3d/>
+    <dgm:txPr/>
+    <dgm:style>
+      <a:lnRef idx="0">
+        <a:scrgbClr r="0" g="0" b="0"/>
+      </a:lnRef>
+      <a:fillRef idx="1">
+        <a:scrgbClr r="0" g="0" b="0"/>
+      </a:fillRef>
+      <a:effectRef idx="0">
+        <a:scrgbClr r="0" g="0" b="0"/>
+      </a:effectRef>
+      <a:fontRef idx="minor">
+        <a:schemeClr val="lt1"/>
+      </a:fontRef>
+    </dgm:style>
+  </dgm:styleLbl>
+  <dgm:styleLbl name="bgSibTrans2D1">
+    <dgm:scene3d>
+      <a:camera prst="orthographicFront"/>
+      <a:lightRig rig="threePt" dir="t"/>
+    </dgm:scene3d>
+    <dgm:sp3d/>
+    <dgm:txPr/>
+    <dgm:style>
+      <a:lnRef idx="0">
+        <a:scrgbClr r="0" g="0" b="0"/>
+      </a:lnRef>
+      <a:fillRef idx="1">
+        <a:scrgbClr r="0" g="0" b="0"/>
+      </a:fillRef>
+      <a:effectRef idx="0">
+        <a:scrgbClr r="0" g="0" b="0"/>
+      </a:effectRef>
+      <a:fontRef idx="minor">
+        <a:schemeClr val="lt1"/>
+      </a:fontRef>
+    </dgm:style>
+  </dgm:styleLbl>
+  <dgm:styleLbl name="sibTrans1D1">
+    <dgm:scene3d>
+      <a:camera prst="orthographicFront"/>
+      <a:lightRig rig="threePt" dir="t"/>
+    </dgm:scene3d>
+    <dgm:sp3d/>
+    <dgm:txPr/>
+    <dgm:style>
+      <a:lnRef idx="1">
+        <a:scrgbClr r="0" g="0" b="0"/>
+      </a:lnRef>
+      <a:fillRef idx="0">
+        <a:scrgbClr r="0" g="0" b="0"/>
+      </a:fillRef>
+      <a:effectRef idx="0">
+        <a:scrgbClr r="0" g="0" b="0"/>
+      </a:effectRef>
+      <a:fontRef idx="minor"/>
+    </dgm:style>
+  </dgm:styleLbl>
+  <dgm:styleLbl name="callout">
+    <dgm:scene3d>
+      <a:camera prst="orthographicFront"/>
+      <a:lightRig rig="threePt" dir="t"/>
+    </dgm:scene3d>
+    <dgm:sp3d/>
+    <dgm:txPr/>
+    <dgm:style>
+      <a:lnRef idx="2">
+        <a:scrgbClr r="0" g="0" b="0"/>
+      </a:lnRef>
+      <a:fillRef idx="1">
+        <a:scrgbClr r="0" g="0" b="0"/>
+      </a:fillRef>
+      <a:effectRef idx="0">
+        <a:scrgbClr r="0" g="0" b="0"/>
+      </a:effectRef>
+      <a:fontRef idx="minor"/>
+    </dgm:style>
+  </dgm:styleLbl>
+  <dgm:styleLbl name="asst0">
+    <dgm:scene3d>
+      <a:camera prst="orthographicFront"/>
+      <a:lightRig rig="threePt" dir="t"/>
+    </dgm:scene3d>
+    <dgm:sp3d/>
+    <dgm:txPr/>
+    <dgm:style>
+      <a:lnRef idx="2">
+        <a:scrgbClr r="0" g="0" b="0"/>
+      </a:lnRef>
+      <a:fillRef idx="1">
+        <a:scrgbClr r="0" g="0" b="0"/>
+      </a:fillRef>
+      <a:effectRef idx="0">
+        <a:scrgbClr r="0" g="0" b="0"/>
+      </a:effectRef>
+      <a:fontRef idx="minor">
+        <a:schemeClr val="lt1"/>
+      </a:fontRef>
+    </dgm:style>
+  </dgm:styleLbl>
+  <dgm:styleLbl name="asst1">
+    <dgm:scene3d>
+      <a:camera prst="orthographicFront"/>
+      <a:lightRig rig="threePt" dir="t"/>
+    </dgm:scene3d>
+    <dgm:sp3d/>
+    <dgm:txPr/>
+    <dgm:style>
+      <a:lnRef idx="2">
+        <a:scrgbClr r="0" g="0" b="0"/>
+      </a:lnRef>
+      <a:fillRef idx="1">
+        <a:scrgbClr r="0" g="0" b="0"/>
+      </a:fillRef>
+      <a:effectRef idx="0">
+        <a:scrgbClr r="0" g="0" b="0"/>
+      </a:effectRef>
+      <a:fontRef idx="minor">
+        <a:schemeClr val="lt1"/>
+      </a:fontRef>
+    </dgm:style>
+  </dgm:styleLbl>
+  <dgm:styleLbl name="asst2">
+    <dgm:scene3d>
+      <a:camera prst="orthographicFront"/>
+      <a:lightRig rig="threePt" dir="t"/>
+    </dgm:scene3d>
+    <dgm:sp3d/>
+    <dgm:txPr/>
+    <dgm:style>
+      <a:lnRef idx="2">
+        <a:scrgbClr r="0" g="0" b="0"/>
+      </a:lnRef>
+      <a:fillRef idx="1">
+        <a:scrgbClr r="0" g="0" b="0"/>
+      </a:fillRef>
+      <a:effectRef idx="0">
+        <a:scrgbClr r="0" g="0" b="0"/>
+      </a:effectRef>
+      <a:fontRef idx="minor">
+        <a:schemeClr val="lt1"/>
+      </a:fontRef>
+    </dgm:style>
+  </dgm:styleLbl>
+  <dgm:styleLbl name="asst3">
+    <dgm:scene3d>
+      <a:camera prst="orthographicFront"/>
+      <a:lightRig rig="threePt" dir="t"/>
+    </dgm:scene3d>
+    <dgm:sp3d/>
+    <dgm:txPr/>
+    <dgm:style>
+      <a:lnRef idx="2">
+        <a:scrgbClr r="0" g="0" b="0"/>
+      </a:lnRef>
+      <a:fillRef idx="1">
+        <a:scrgbClr r="0" g="0" b="0"/>
+      </a:fillRef>
+      <a:effectRef idx="0">
+        <a:scrgbClr r="0" g="0" b="0"/>
+      </a:effectRef>
+      <a:fontRef idx="minor">
+        <a:schemeClr val="lt1"/>
+      </a:fontRef>
+    </dgm:style>
+  </dgm:styleLbl>
+  <dgm:styleLbl name="asst4">
+    <dgm:scene3d>
+      <a:camera prst="orthographicFront"/>
+      <a:lightRig rig="threePt" dir="t"/>
+    </dgm:scene3d>
+    <dgm:sp3d/>
+    <dgm:txPr/>
+    <dgm:style>
+      <a:lnRef idx="2">
+        <a:scrgbClr r="0" g="0" b="0"/>
+      </a:lnRef>
+      <a:fillRef idx="1">
+        <a:scrgbClr r="0" g="0" b="0"/>
+      </a:fillRef>
+      <a:effectRef idx="0">
+        <a:scrgbClr r="0" g="0" b="0"/>
+      </a:effectRef>
+      <a:fontRef idx="minor">
+        <a:schemeClr val="lt1"/>
+      </a:fontRef>
+    </dgm:style>
+  </dgm:styleLbl>
+  <dgm:styleLbl name="parChTrans2D1">
+    <dgm:scene3d>
+      <a:camera prst="orthographicFront"/>
+      <a:lightRig rig="threePt" dir="t"/>
+    </dgm:scene3d>
+    <dgm:sp3d/>
+    <dgm:txPr/>
+    <dgm:style>
+      <a:lnRef idx="2">
+        <a:scrgbClr r="0" g="0" b="0"/>
+      </a:lnRef>
+      <a:fillRef idx="1">
+        <a:scrgbClr r="0" g="0" b="0"/>
+      </a:fillRef>
+      <a:effectRef idx="0">
+        <a:scrgbClr r="0" g="0" b="0"/>
+      </a:effectRef>
+      <a:fontRef idx="minor">
+        <a:schemeClr val="lt1"/>
+      </a:fontRef>
+    </dgm:style>
+  </dgm:styleLbl>
+  <dgm:styleLbl name="parChTrans2D2">
+    <dgm:scene3d>
+      <a:camera prst="orthographicFront"/>
+      <a:lightRig rig="threePt" dir="t"/>
+    </dgm:scene3d>
+    <dgm:sp3d/>
+    <dgm:txPr/>
+    <dgm:style>
+      <a:lnRef idx="2">
+        <a:scrgbClr r="0" g="0" b="0"/>
+      </a:lnRef>
+      <a:fillRef idx="1">
+        <a:scrgbClr r="0" g="0" b="0"/>
+      </a:fillRef>
+      <a:effectRef idx="0">
+        <a:scrgbClr r="0" g="0" b="0"/>
+      </a:effectRef>
+      <a:fontRef idx="minor">
+        <a:schemeClr val="lt1"/>
+      </a:fontRef>
+    </dgm:style>
+  </dgm:styleLbl>
+  <dgm:styleLbl name="parChTrans2D3">
+    <dgm:scene3d>
+      <a:camera prst="orthographicFront"/>
+      <a:lightRig rig="threePt" dir="t"/>
+    </dgm:scene3d>
+    <dgm:sp3d/>
+    <dgm:txPr/>
+    <dgm:style>
+      <a:lnRef idx="2">
+        <a:scrgbClr r="0" g="0" b="0"/>
+      </a:lnRef>
+      <a:fillRef idx="1">
+        <a:scrgbClr r="0" g="0" b="0"/>
+      </a:fillRef>
+      <a:effectRef idx="0">
+        <a:scrgbClr r="0" g="0" b="0"/>
+      </a:effectRef>
+      <a:fontRef idx="minor">
+        <a:schemeClr val="lt1"/>
+      </a:fontRef>
+    </dgm:style>
+  </dgm:styleLbl>
+  <dgm:styleLbl name="parChTrans2D4">
+    <dgm:scene3d>
+      <a:camera prst="orthographicFront"/>
+      <a:lightRig rig="threePt" dir="t"/>
+    </dgm:scene3d>
+    <dgm:sp3d/>
+    <dgm:txPr/>
+    <dgm:style>
+      <a:lnRef idx="2">
+        <a:scrgbClr r="0" g="0" b="0"/>
+      </a:lnRef>
+      <a:fillRef idx="1">
+        <a:scrgbClr r="0" g="0" b="0"/>
+      </a:fillRef>
+      <a:effectRef idx="0">
+        <a:scrgbClr r="0" g="0" b="0"/>
+      </a:effectRef>
+      <a:fontRef idx="minor">
+        <a:schemeClr val="lt1"/>
+      </a:fontRef>
+    </dgm:style>
+  </dgm:styleLbl>
+  <dgm:styleLbl name="parChTrans1D1">
+    <dgm:scene3d>
+      <a:camera prst="orthographicFront"/>
+      <a:lightRig rig="threePt" dir="t"/>
+    </dgm:scene3d>
+    <dgm:sp3d/>
+    <dgm:txPr/>
+    <dgm:style>
+      <a:lnRef idx="2">
+        <a:scrgbClr r="0" g="0" b="0"/>
+      </a:lnRef>
+      <a:fillRef idx="0">
+        <a:scrgbClr r="0" g="0" b="0"/>
+      </a:fillRef>
+      <a:effectRef idx="0">
+        <a:scrgbClr r="0" g="0" b="0"/>
+      </a:effectRef>
+      <a:fontRef idx="minor"/>
+    </dgm:style>
+  </dgm:styleLbl>
+  <dgm:styleLbl name="parChTrans1D2">
+    <dgm:scene3d>
+      <a:camera prst="orthographicFront"/>
+      <a:lightRig rig="threePt" dir="t"/>
+    </dgm:scene3d>
+    <dgm:sp3d/>
+    <dgm:txPr/>
+    <dgm:style>
+      <a:lnRef idx="2">
+        <a:scrgbClr r="0" g="0" b="0"/>
+      </a:lnRef>
+      <a:fillRef idx="0">
+        <a:scrgbClr r="0" g="0" b="0"/>
+      </a:fillRef>
+      <a:effectRef idx="0">
+        <a:scrgbClr r="0" g="0" b="0"/>
+      </a:effectRef>
+      <a:fontRef idx="minor"/>
+    </dgm:style>
+  </dgm:styleLbl>
+  <dgm:styleLbl name="parChTrans1D3">
+    <dgm:scene3d>
+      <a:camera prst="orthographicFront"/>
+      <a:lightRig rig="threePt" dir="t"/>
+    </dgm:scene3d>
+    <dgm:sp3d/>
+    <dgm:txPr/>
+    <dgm:style>
+      <a:lnRef idx="2">
+        <a:scrgbClr r="0" g="0" b="0"/>
+      </a:lnRef>
+      <a:fillRef idx="0">
+        <a:scrgbClr r="0" g="0" b="0"/>
+      </a:fillRef>
+      <a:effectRef idx="0">
+        <a:scrgbClr r="0" g="0" b="0"/>
+      </a:effectRef>
+      <a:fontRef idx="minor"/>
+    </dgm:style>
+  </dgm:styleLbl>
+  <dgm:styleLbl name="parChTrans1D4">
+    <dgm:scene3d>
+      <a:camera prst="orthographicFront"/>
+      <a:lightRig rig="threePt" dir="t"/>
+    </dgm:scene3d>
+    <dgm:sp3d/>
+    <dgm:txPr/>
+    <dgm:style>
+      <a:lnRef idx="2">
+        <a:scrgbClr r="0" g="0" b="0"/>
+      </a:lnRef>
+      <a:fillRef idx="0">
+        <a:scrgbClr r="0" g="0" b="0"/>
+      </a:fillRef>
+      <a:effectRef idx="0">
+        <a:scrgbClr r="0" g="0" b="0"/>
+      </a:effectRef>
+      <a:fontRef idx="minor"/>
+    </dgm:style>
+  </dgm:styleLbl>
+  <dgm:styleLbl name="fgAcc1">
+    <dgm:scene3d>
+      <a:camera prst="orthographicFront"/>
+      <a:lightRig rig="threePt" dir="t"/>
+    </dgm:scene3d>
+    <dgm:sp3d/>
+    <dgm:txPr/>
+    <dgm:style>
+      <a:lnRef idx="2">
+        <a:scrgbClr r="0" g="0" b="0"/>
+      </a:lnRef>
+      <a:fillRef idx="1">
+        <a:scrgbClr r="0" g="0" b="0"/>
+      </a:fillRef>
+      <a:effectRef idx="0">
+        <a:scrgbClr r="0" g="0" b="0"/>
+      </a:effectRef>
+      <a:fontRef idx="minor"/>
+    </dgm:style>
+  </dgm:styleLbl>
+  <dgm:styleLbl name="conFgAcc1">
+    <dgm:scene3d>
+      <a:camera prst="orthographicFront"/>
+      <a:lightRig rig="threePt" dir="t"/>
+    </dgm:scene3d>
+    <dgm:sp3d/>
+    <dgm:txPr/>
+    <dgm:style>
+      <a:lnRef idx="2">
+        <a:scrgbClr r="0" g="0" b="0"/>
+      </a:lnRef>
+      <a:fillRef idx="1">
+        <a:scrgbClr r="0" g="0" b="0"/>
+      </a:fillRef>
+      <a:effectRef idx="0">
+        <a:scrgbClr r="0" g="0" b="0"/>
+      </a:effectRef>
+      <a:fontRef idx="minor"/>
+    </dgm:style>
+  </dgm:styleLbl>
+  <dgm:styleLbl name="alignAcc1">
+    <dgm:scene3d>
+      <a:camera prst="orthographicFront"/>
+      <a:lightRig rig="threePt" dir="t"/>
+    </dgm:scene3d>
+    <dgm:sp3d/>
+    <dgm:txPr/>
+    <dgm:style>
+      <a:lnRef idx="2">
+        <a:scrgbClr r="0" g="0" b="0"/>
+      </a:lnRef>
+      <a:fillRef idx="1">
+        <a:scrgbClr r="0" g="0" b="0"/>
+      </a:fillRef>
+      <a:effectRef idx="0">
+        <a:scrgbClr r="0" g="0" b="0"/>
+      </a:effectRef>
+      <a:fontRef idx="minor"/>
+    </dgm:style>
+  </dgm:styleLbl>
+  <dgm:styleLbl name="trAlignAcc1">
+    <dgm:scene3d>
+      <a:camera prst="orthographicFront"/>
+      <a:lightRig rig="threePt" dir="t"/>
+    </dgm:scene3d>
+    <dgm:sp3d/>
+    <dgm:txPr/>
+    <dgm:style>
+      <a:lnRef idx="1">
+        <a:scrgbClr r="0" g="0" b="0"/>
+      </a:lnRef>
+      <a:fillRef idx="1">
+        <a:scrgbClr r="0" g="0" b="0"/>
+      </a:fillRef>
+      <a:effectRef idx="0">
+        <a:scrgbClr r="0" g="0" b="0"/>
+      </a:effectRef>
+      <a:fontRef idx="minor"/>
+    </dgm:style>
+  </dgm:styleLbl>
+  <dgm:styleLbl name="bgAcc1">
+    <dgm:scene3d>
+      <a:camera prst="orthographicFront"/>
+      <a:lightRig rig="threePt" dir="t"/>
+    </dgm:scene3d>
+    <dgm:sp3d/>
+    <dgm:txPr/>
+    <dgm:style>
+      <a:lnRef idx="2">
+        <a:scrgbClr r="0" g="0" b="0"/>
+      </a:lnRef>
+      <a:fillRef idx="1">
+        <a:scrgbClr r="0" g="0" b="0"/>
+      </a:fillRef>
+      <a:effectRef idx="0">
+        <a:scrgbClr r="0" g="0" b="0"/>
+      </a:effectRef>
+      <a:fontRef idx="minor"/>
+    </dgm:style>
+  </dgm:styleLbl>
+  <dgm:styleLbl name="solidFgAcc1">
+    <dgm:scene3d>
+      <a:camera prst="orthographicFront"/>
+      <a:lightRig rig="threePt" dir="t"/>
+    </dgm:scene3d>
+    <dgm:sp3d/>
+    <dgm:txPr/>
+    <dgm:style>
+      <a:lnRef idx="2">
+        <a:scrgbClr r="0" g="0" b="0"/>
+      </a:lnRef>
+      <a:fillRef idx="1">
+        <a:scrgbClr r="0" g="0" b="0"/>
+      </a:fillRef>
+      <a:effectRef idx="0">
+        <a:scrgbClr r="0" g="0" b="0"/>
+      </a:effectRef>
+      <a:fontRef idx="minor"/>
+    </dgm:style>
+  </dgm:styleLbl>
+  <dgm:styleLbl name="solidAlignAcc1">
+    <dgm:scene3d>
+      <a:camera prst="orthographicFront"/>
+      <a:lightRig rig="threePt" dir="t"/>
+    </dgm:scene3d>
+    <dgm:sp3d/>
+    <dgm:txPr/>
+    <dgm:style>
+      <a:lnRef idx="2">
+        <a:scrgbClr r="0" g="0" b="0"/>
+      </a:lnRef>
+      <a:fillRef idx="1">
+        <a:scrgbClr r="0" g="0" b="0"/>
+      </a:fillRef>
+      <a:effectRef idx="0">
+        <a:scrgbClr r="0" g="0" b="0"/>
+      </a:effectRef>
+      <a:fontRef idx="minor"/>
+    </dgm:style>
+  </dgm:styleLbl>
+  <dgm:styleLbl name="solidBgAcc1">
+    <dgm:scene3d>
+      <a:camera prst="orthographicFront"/>
+      <a:lightRig rig="threePt" dir="t"/>
+    </dgm:scene3d>
+    <dgm:sp3d/>
+    <dgm:txPr/>
+    <dgm:style>
+      <a:lnRef idx="2">
+        <a:scrgbClr r="0" g="0" b="0"/>
+      </a:lnRef>
+      <a:fillRef idx="1">
+        <a:scrgbClr r="0" g="0" b="0"/>
+      </a:fillRef>
+      <a:effectRef idx="0">
+        <a:scrgbClr r="0" g="0" b="0"/>
+      </a:effectRef>
+      <a:fontRef idx="minor"/>
+    </dgm:style>
+  </dgm:styleLbl>
+  <dgm:styleLbl name="fgAccFollowNode1">
+    <dgm:scene3d>
+      <a:camera prst="orthographicFront"/>
+      <a:lightRig rig="threePt" dir="t"/>
+    </dgm:scene3d>
+    <dgm:sp3d/>
+    <dgm:txPr/>
+    <dgm:style>
+      <a:lnRef idx="2">
+        <a:scrgbClr r="0" g="0" b="0"/>
+      </a:lnRef>
+      <a:fillRef idx="1">
+        <a:scrgbClr r="0" g="0" b="0"/>
+      </a:fillRef>
+      <a:effectRef idx="0">
+        <a:scrgbClr r="0" g="0" b="0"/>
+      </a:effectRef>
+      <a:fontRef idx="minor"/>
+    </dgm:style>
+  </dgm:styleLbl>
+  <dgm:styleLbl name="alignAccFollowNode1">
+    <dgm:scene3d>
+      <a:camera prst="orthographicFront"/>
+      <a:lightRig rig="threePt" dir="t"/>
+    </dgm:scene3d>
+    <dgm:sp3d/>
+    <dgm:txPr/>
+    <dgm:style>
+      <a:lnRef idx="2">
+        <a:scrgbClr r="0" g="0" b="0"/>
+      </a:lnRef>
+      <a:fillRef idx="1">
+        <a:scrgbClr r="0" g="0" b="0"/>
+      </a:fillRef>
+      <a:effectRef idx="0">
+        <a:scrgbClr r="0" g="0" b="0"/>
+      </a:effectRef>
+      <a:fontRef idx="minor"/>
+    </dgm:style>
+  </dgm:styleLbl>
+  <dgm:styleLbl name="bgAccFollowNode1">
+    <dgm:scene3d>
+      <a:camera prst="orthographicFront"/>
+      <a:lightRig rig="threePt" dir="t"/>
+    </dgm:scene3d>
+    <dgm:sp3d/>
+    <dgm:txPr/>
+    <dgm:style>
+      <a:lnRef idx="2">
+        <a:scrgbClr r="0" g="0" b="0"/>
+      </a:lnRef>
+      <a:fillRef idx="1">
+        <a:scrgbClr r="0" g="0" b="0"/>
+      </a:fillRef>
+      <a:effectRef idx="0">
+        <a:scrgbClr r="0" g="0" b="0"/>
+      </a:effectRef>
+      <a:fontRef idx="minor"/>
+    </dgm:style>
+  </dgm:styleLbl>
+  <dgm:styleLbl name="fgAcc0">
+    <dgm:scene3d>
+      <a:camera prst="orthographicFront"/>
+      <a:lightRig rig="threePt" dir="t"/>
+    </dgm:scene3d>
+    <dgm:sp3d/>
+    <dgm:txPr/>
+    <dgm:style>
+      <a:lnRef idx="2">
+        <a:scrgbClr r="0" g="0" b="0"/>
+      </a:lnRef>
+      <a:fillRef idx="1">
+        <a:scrgbClr r="0" g="0" b="0"/>
+      </a:fillRef>
+      <a:effectRef idx="0">
+        <a:scrgbClr r="0" g="0" b="0"/>
+      </a:effectRef>
+      <a:fontRef idx="minor"/>
+    </dgm:style>
+  </dgm:styleLbl>
+  <dgm:styleLbl name="fgAcc2">
+    <dgm:scene3d>
+      <a:camera prst="orthographicFront"/>
+      <a:lightRig rig="threePt" dir="t"/>
+    </dgm:scene3d>
+    <dgm:sp3d/>
+    <dgm:txPr/>
+    <dgm:style>
+      <a:lnRef idx="2">
+        <a:scrgbClr r="0" g="0" b="0"/>
+      </a:lnRef>
+      <a:fillRef idx="1">
+        <a:scrgbClr r="0" g="0" b="0"/>
+      </a:fillRef>
+      <a:effectRef idx="0">
+        <a:scrgbClr r="0" g="0" b="0"/>
+      </a:effectRef>
+      <a:fontRef idx="minor"/>
+    </dgm:style>
+  </dgm:styleLbl>
+  <dgm:styleLbl name="fgAcc3">
+    <dgm:scene3d>
+      <a:camera prst="orthographicFront"/>
+      <a:lightRig rig="threePt" dir="t"/>
+    </dgm:scene3d>
+    <dgm:sp3d/>
+    <dgm:txPr/>
+    <dgm:style>
+      <a:lnRef idx="2">
+        <a:scrgbClr r="0" g="0" b="0"/>
+      </a:lnRef>
+      <a:fillRef idx="1">
+        <a:scrgbClr r="0" g="0" b="0"/>
+      </a:fillRef>
+      <a:effectRef idx="0">
+        <a:scrgbClr r="0" g="0" b="0"/>
+      </a:effectRef>
+      <a:fontRef idx="minor"/>
+    </dgm:style>
+  </dgm:styleLbl>
+  <dgm:styleLbl name="fgAcc4">
+    <dgm:scene3d>
+      <a:camera prst="orthographicFront"/>
+      <a:lightRig rig="threePt" dir="t"/>
+    </dgm:scene3d>
+    <dgm:sp3d/>
+    <dgm:txPr/>
+    <dgm:style>
+      <a:lnRef idx="2">
+        <a:scrgbClr r="0" g="0" b="0"/>
+      </a:lnRef>
+      <a:fillRef idx="1">
+        <a:scrgbClr r="0" g="0" b="0"/>
+      </a:fillRef>
+      <a:effectRef idx="0">
+        <a:scrgbClr r="0" g="0" b="0"/>
+      </a:effectRef>
+      <a:fontRef idx="minor"/>
+    </dgm:style>
+  </dgm:styleLbl>
+  <dgm:styleLbl name="bgShp">
+    <dgm:scene3d>
+      <a:camera prst="orthographicFront"/>
+      <a:lightRig rig="threePt" dir="t"/>
+    </dgm:scene3d>
+    <dgm:sp3d/>
+    <dgm:txPr/>
+    <dgm:style>
+      <a:lnRef idx="0">
+        <a:scrgbClr r="0" g="0" b="0"/>
+      </a:lnRef>
+      <a:fillRef idx="1">
+        <a:scrgbClr r="0" g="0" b="0"/>
+      </a:fillRef>
+      <a:effectRef idx="0">
+        <a:scrgbClr r="0" g="0" b="0"/>
+      </a:effectRef>
+      <a:fontRef idx="minor"/>
+    </dgm:style>
+  </dgm:styleLbl>
+  <dgm:styleLbl name="dkBgShp">
+    <dgm:scene3d>
+      <a:camera prst="orthographicFront"/>
+      <a:lightRig rig="threePt" dir="t"/>
+    </dgm:scene3d>
+    <dgm:sp3d/>
+    <dgm:txPr/>
+    <dgm:style>
+      <a:lnRef idx="0">
+        <a:scrgbClr r="0" g="0" b="0"/>
+      </a:lnRef>
+      <a:fillRef idx="1">
+        <a:scrgbClr r="0" g="0" b="0"/>
+      </a:fillRef>
+      <a:effectRef idx="0">
+        <a:scrgbClr r="0" g="0" b="0"/>
+      </a:effectRef>
+      <a:fontRef idx="minor"/>
+    </dgm:style>
+  </dgm:styleLbl>
+  <dgm:styleLbl name="trBgShp">
+    <dgm:scene3d>
+      <a:camera prst="orthographicFront"/>
+      <a:lightRig rig="threePt" dir="t"/>
+    </dgm:scene3d>
+    <dgm:sp3d/>
+    <dgm:txPr/>
+    <dgm:style>
+      <a:lnRef idx="0">
+        <a:scrgbClr r="0" g="0" b="0"/>
+      </a:lnRef>
+      <a:fillRef idx="1">
+        <a:scrgbClr r="0" g="0" b="0"/>
+      </a:fillRef>
+      <a:effectRef idx="0">
+        <a:scrgbClr r="0" g="0" b="0"/>
+      </a:effectRef>
+      <a:fontRef idx="minor"/>
+    </dgm:style>
+  </dgm:styleLbl>
+  <dgm:styleLbl name="fgShp">
+    <dgm:scene3d>
+      <a:camera prst="orthographicFront"/>
+      <a:lightRig rig="threePt" dir="t"/>
+    </dgm:scene3d>
+    <dgm:sp3d/>
+    <dgm:txPr/>
+    <dgm:style>
+      <a:lnRef idx="2">
+        <a:scrgbClr r="0" g="0" b="0"/>
+      </a:lnRef>
+      <a:fillRef idx="1">
+        <a:scrgbClr r="0" g="0" b="0"/>
+      </a:fillRef>
+      <a:effectRef idx="0">
+        <a:scrgbClr r="0" g="0" b="0"/>
+      </a:effectRef>
+      <a:fontRef idx="minor"/>
+    </dgm:style>
+  </dgm:styleLbl>
+  <dgm:styleLbl name="revTx">
+    <dgm:scene3d>
+      <a:camera prst="orthographicFront"/>
+      <a:lightRig rig="threePt" dir="t"/>
+    </dgm:scene3d>
+    <dgm:sp3d/>
+    <dgm:txPr/>
+    <dgm:style>
+      <a:lnRef idx="0">
+        <a:scrgbClr r="0" g="0" b="0"/>
+      </a:lnRef>
+      <a:fillRef idx="0">
+        <a:scrgbClr r="0" g="0" b="0"/>
+      </a:fillRef>
+      <a:effectRef idx="0">
+        <a:scrgbClr r="0" g="0" b="0"/>
+      </a:effectRef>
+      <a:fontRef idx="minor"/>
+    </dgm:style>
+  </dgm:styleLbl>
+</dgm:styleDef>
+</file>
+
+<file path=ppt/diagrams/quickStyle3.xml><?xml version="1.0" encoding="utf-8"?>
 <dgm:styleDef xmlns:dgm="http://schemas.openxmlformats.org/drawingml/2006/diagram" xmlns:a="http://schemas.openxmlformats.org/drawingml/2006/main" uniqueId="urn:microsoft.com/office/officeart/2005/8/quickstyle/simple1">
   <dgm:title val=""/>
   <dgm:desc val=""/>
@@ -5380,7 +7932,7 @@
           <a:p>
             <a:fld id="{5389C51E-1420-1A4A-96A3-41F36B52B304}" type="datetimeFigureOut">
               <a:rPr lang="en-US" smtClean="0"/>
-              <a:t>11/25/18</a:t>
+              <a:t>11/26/2018</a:t>
             </a:fld>
             <a:endParaRPr lang="en-US"/>
           </a:p>
@@ -5578,7 +8130,7 @@
           <a:p>
             <a:fld id="{5389C51E-1420-1A4A-96A3-41F36B52B304}" type="datetimeFigureOut">
               <a:rPr lang="en-US" smtClean="0"/>
-              <a:t>11/25/18</a:t>
+              <a:t>11/26/2018</a:t>
             </a:fld>
             <a:endParaRPr lang="en-US"/>
           </a:p>
@@ -5786,7 +8338,7 @@
           <a:p>
             <a:fld id="{5389C51E-1420-1A4A-96A3-41F36B52B304}" type="datetimeFigureOut">
               <a:rPr lang="en-US" smtClean="0"/>
-              <a:t>11/25/18</a:t>
+              <a:t>11/26/2018</a:t>
             </a:fld>
             <a:endParaRPr lang="en-US"/>
           </a:p>
@@ -5984,7 +8536,7 @@
           <a:p>
             <a:fld id="{5389C51E-1420-1A4A-96A3-41F36B52B304}" type="datetimeFigureOut">
               <a:rPr lang="en-US" smtClean="0"/>
-              <a:t>11/25/18</a:t>
+              <a:t>11/26/2018</a:t>
             </a:fld>
             <a:endParaRPr lang="en-US"/>
           </a:p>
@@ -6259,7 +8811,7 @@
           <a:p>
             <a:fld id="{5389C51E-1420-1A4A-96A3-41F36B52B304}" type="datetimeFigureOut">
               <a:rPr lang="en-US" smtClean="0"/>
-              <a:t>11/25/18</a:t>
+              <a:t>11/26/2018</a:t>
             </a:fld>
             <a:endParaRPr lang="en-US"/>
           </a:p>
@@ -6524,7 +9076,7 @@
           <a:p>
             <a:fld id="{5389C51E-1420-1A4A-96A3-41F36B52B304}" type="datetimeFigureOut">
               <a:rPr lang="en-US" smtClean="0"/>
-              <a:t>11/25/18</a:t>
+              <a:t>11/26/2018</a:t>
             </a:fld>
             <a:endParaRPr lang="en-US"/>
           </a:p>
@@ -6936,7 +9488,7 @@
           <a:p>
             <a:fld id="{5389C51E-1420-1A4A-96A3-41F36B52B304}" type="datetimeFigureOut">
               <a:rPr lang="en-US" smtClean="0"/>
-              <a:t>11/25/18</a:t>
+              <a:t>11/26/2018</a:t>
             </a:fld>
             <a:endParaRPr lang="en-US"/>
           </a:p>
@@ -7077,7 +9629,7 @@
           <a:p>
             <a:fld id="{5389C51E-1420-1A4A-96A3-41F36B52B304}" type="datetimeFigureOut">
               <a:rPr lang="en-US" smtClean="0"/>
-              <a:t>11/25/18</a:t>
+              <a:t>11/26/2018</a:t>
             </a:fld>
             <a:endParaRPr lang="en-US"/>
           </a:p>
@@ -7190,7 +9742,7 @@
           <a:p>
             <a:fld id="{5389C51E-1420-1A4A-96A3-41F36B52B304}" type="datetimeFigureOut">
               <a:rPr lang="en-US" smtClean="0"/>
-              <a:t>11/25/18</a:t>
+              <a:t>11/26/2018</a:t>
             </a:fld>
             <a:endParaRPr lang="en-US"/>
           </a:p>
@@ -7501,7 +10053,7 @@
           <a:p>
             <a:fld id="{5389C51E-1420-1A4A-96A3-41F36B52B304}" type="datetimeFigureOut">
               <a:rPr lang="en-US" smtClean="0"/>
-              <a:t>11/25/18</a:t>
+              <a:t>11/26/2018</a:t>
             </a:fld>
             <a:endParaRPr lang="en-US"/>
           </a:p>
@@ -7789,7 +10341,7 @@
           <a:p>
             <a:fld id="{5389C51E-1420-1A4A-96A3-41F36B52B304}" type="datetimeFigureOut">
               <a:rPr lang="en-US" smtClean="0"/>
-              <a:t>11/25/18</a:t>
+              <a:t>11/26/2018</a:t>
             </a:fld>
             <a:endParaRPr lang="en-US"/>
           </a:p>
@@ -8030,7 +10582,7 @@
           <a:p>
             <a:fld id="{5389C51E-1420-1A4A-96A3-41F36B52B304}" type="datetimeFigureOut">
               <a:rPr lang="en-US" smtClean="0"/>
-              <a:t>11/25/18</a:t>
+              <a:t>11/26/2018</a:t>
             </a:fld>
             <a:endParaRPr lang="en-US"/>
           </a:p>
@@ -13295,7 +15847,7 @@
         <p:spPr>
           <a:xfrm>
             <a:off x="2911471" y="6050293"/>
-            <a:ext cx="1014412" cy="342900"/>
+            <a:ext cx="1136746" cy="342900"/>
           </a:xfrm>
           <a:prstGeom prst="roundRect">
             <a:avLst/>
@@ -13564,8 +16116,8 @@
         </p:nvSpPr>
         <p:spPr>
           <a:xfrm>
-            <a:off x="2911471" y="6050293"/>
-            <a:ext cx="1014412" cy="342900"/>
+            <a:off x="2835564" y="6050293"/>
+            <a:ext cx="1090319" cy="342900"/>
           </a:xfrm>
           <a:prstGeom prst="roundRect">
             <a:avLst/>
@@ -13691,14 +16243,14 @@
           <p:nvPr>
             <p:extLst>
               <p:ext uri="{D42A27DB-BD31-4B8C-83A1-F6EECF244321}">
-                <p14:modId xmlns:p14="http://schemas.microsoft.com/office/powerpoint/2010/main" val="2821841583"/>
+                <p14:modId xmlns:p14="http://schemas.microsoft.com/office/powerpoint/2010/main" val="445144204"/>
               </p:ext>
             </p:extLst>
           </p:nvPr>
         </p:nvGraphicFramePr>
         <p:xfrm>
-          <a:off x="2031996" y="2170428"/>
-          <a:ext cx="8128000" cy="370840"/>
+          <a:off x="4063996" y="1966980"/>
+          <a:ext cx="4064000" cy="370840"/>
         </p:xfrm>
         <a:graphic>
           <a:graphicData uri="http://schemas.openxmlformats.org/drawingml/2006/table">
@@ -13707,31 +16259,17 @@
                 <a:tableStyleId>{5C22544A-7EE6-4342-B048-85BDC9FD1C3A}</a:tableStyleId>
               </a:tblPr>
               <a:tblGrid>
-                <a:gridCol w="2032000">
+                <a:gridCol w="1351383">
                   <a:extLst>
                     <a:ext uri="{9D8B030D-6E8A-4147-A177-3AD203B41FA5}">
                       <a16:colId xmlns:a16="http://schemas.microsoft.com/office/drawing/2014/main" val="1813649428"/>
                     </a:ext>
                   </a:extLst>
                 </a:gridCol>
-                <a:gridCol w="2032000">
+                <a:gridCol w="2712617">
                   <a:extLst>
                     <a:ext uri="{9D8B030D-6E8A-4147-A177-3AD203B41FA5}">
                       <a16:colId xmlns:a16="http://schemas.microsoft.com/office/drawing/2014/main" val="3694872332"/>
-                    </a:ext>
-                  </a:extLst>
-                </a:gridCol>
-                <a:gridCol w="2032000">
-                  <a:extLst>
-                    <a:ext uri="{9D8B030D-6E8A-4147-A177-3AD203B41FA5}">
-                      <a16:colId xmlns:a16="http://schemas.microsoft.com/office/drawing/2014/main" val="2938950488"/>
-                    </a:ext>
-                  </a:extLst>
-                </a:gridCol>
-                <a:gridCol w="2032000">
-                  <a:extLst>
-                    <a:ext uri="{9D8B030D-6E8A-4147-A177-3AD203B41FA5}">
-                      <a16:colId xmlns:a16="http://schemas.microsoft.com/office/drawing/2014/main" val="1165888903"/>
                     </a:ext>
                   </a:extLst>
                 </a:gridCol>
@@ -13746,39 +16284,6 @@
                       <a:r>
                         <a:rPr lang="en-US" dirty="0"/>
                         <a:t>First Name</a:t>
-                      </a:r>
-                    </a:p>
-                  </a:txBody>
-                  <a:tcPr>
-                    <a:solidFill>
-                      <a:srgbClr val="941100"/>
-                    </a:solidFill>
-                  </a:tcPr>
-                </a:tc>
-                <a:tc>
-                  <a:txBody>
-                    <a:bodyPr/>
-                    <a:lstStyle/>
-                    <a:p>
-                      <a:pPr algn="ctr"/>
-                      <a:endParaRPr lang="en-US" dirty="0"/>
-                    </a:p>
-                  </a:txBody>
-                  <a:tcPr>
-                    <a:solidFill>
-                      <a:srgbClr val="D6D6D6"/>
-                    </a:solidFill>
-                  </a:tcPr>
-                </a:tc>
-                <a:tc>
-                  <a:txBody>
-                    <a:bodyPr/>
-                    <a:lstStyle/>
-                    <a:p>
-                      <a:pPr algn="ctr"/>
-                      <a:r>
-                        <a:rPr lang="en-US" dirty="0"/>
-                        <a:t>Last Name</a:t>
                       </a:r>
                     </a:p>
                   </a:txBody>
@@ -13843,13 +16348,8 @@
           <a:p>
             <a:r>
               <a:rPr lang="en-US" sz="2400" dirty="0"/>
-              <a:t>Parent/</a:t>
+              <a:t>Parent/Guardian</a:t>
             </a:r>
-            <a:r>
-              <a:rPr lang="en-US" sz="2400" dirty="0" err="1"/>
-              <a:t>Gaurdian</a:t>
-            </a:r>
-            <a:endParaRPr lang="en-US" sz="2400" dirty="0"/>
           </a:p>
         </p:txBody>
       </p:sp>
@@ -13867,7 +16367,7 @@
         </p:nvSpPr>
         <p:spPr>
           <a:xfrm>
-            <a:off x="5503941" y="2542980"/>
+            <a:off x="5503940" y="3050802"/>
             <a:ext cx="1184107" cy="461665"/>
           </a:xfrm>
           <a:prstGeom prst="rect">
@@ -13903,13 +16403,13 @@
           <p:nvPr>
             <p:extLst>
               <p:ext uri="{D42A27DB-BD31-4B8C-83A1-F6EECF244321}">
-                <p14:modId xmlns:p14="http://schemas.microsoft.com/office/powerpoint/2010/main" val="2516429285"/>
+                <p14:modId xmlns:p14="http://schemas.microsoft.com/office/powerpoint/2010/main" val="3638379047"/>
               </p:ext>
             </p:extLst>
           </p:nvPr>
         </p:nvGraphicFramePr>
         <p:xfrm>
-          <a:off x="2031996" y="3053697"/>
+          <a:off x="2031994" y="3649452"/>
           <a:ext cx="8128000" cy="741680"/>
         </p:xfrm>
         <a:graphic>
@@ -14187,10 +16687,1307 @@
           </a:graphicData>
         </a:graphic>
       </p:graphicFrame>
+      <p:graphicFrame>
+        <p:nvGraphicFramePr>
+          <p:cNvPr id="11" name="Table 10">
+            <a:extLst>
+              <a:ext uri="{FF2B5EF4-FFF2-40B4-BE49-F238E27FC236}">
+                <a16:creationId xmlns:a16="http://schemas.microsoft.com/office/drawing/2014/main" id="{C6B9F37C-F19B-450D-9D48-BE058C70E3E6}"/>
+              </a:ext>
+            </a:extLst>
+          </p:cNvPr>
+          <p:cNvGraphicFramePr>
+            <a:graphicFrameLocks noGrp="1"/>
+          </p:cNvGraphicFramePr>
+          <p:nvPr>
+            <p:extLst>
+              <p:ext uri="{D42A27DB-BD31-4B8C-83A1-F6EECF244321}">
+                <p14:modId xmlns:p14="http://schemas.microsoft.com/office/powerpoint/2010/main" val="909906990"/>
+              </p:ext>
+            </p:extLst>
+          </p:nvPr>
+        </p:nvGraphicFramePr>
+        <p:xfrm>
+          <a:off x="4063994" y="2565630"/>
+          <a:ext cx="4064000" cy="370840"/>
+        </p:xfrm>
+        <a:graphic>
+          <a:graphicData uri="http://schemas.openxmlformats.org/drawingml/2006/table">
+            <a:tbl>
+              <a:tblPr firstRow="1" bandRow="1">
+                <a:tableStyleId>{5C22544A-7EE6-4342-B048-85BDC9FD1C3A}</a:tableStyleId>
+              </a:tblPr>
+              <a:tblGrid>
+                <a:gridCol w="1351385">
+                  <a:extLst>
+                    <a:ext uri="{9D8B030D-6E8A-4147-A177-3AD203B41FA5}">
+                      <a16:colId xmlns:a16="http://schemas.microsoft.com/office/drawing/2014/main" val="1813649428"/>
+                    </a:ext>
+                  </a:extLst>
+                </a:gridCol>
+                <a:gridCol w="2712615">
+                  <a:extLst>
+                    <a:ext uri="{9D8B030D-6E8A-4147-A177-3AD203B41FA5}">
+                      <a16:colId xmlns:a16="http://schemas.microsoft.com/office/drawing/2014/main" val="3694872332"/>
+                    </a:ext>
+                  </a:extLst>
+                </a:gridCol>
+              </a:tblGrid>
+              <a:tr h="370840">
+                <a:tc>
+                  <a:txBody>
+                    <a:bodyPr/>
+                    <a:lstStyle/>
+                    <a:p>
+                      <a:pPr algn="ctr"/>
+                      <a:r>
+                        <a:rPr lang="en-US" dirty="0"/>
+                        <a:t>Last Name</a:t>
+                      </a:r>
+                    </a:p>
+                  </a:txBody>
+                  <a:tcPr>
+                    <a:solidFill>
+                      <a:srgbClr val="941100"/>
+                    </a:solidFill>
+                  </a:tcPr>
+                </a:tc>
+                <a:tc>
+                  <a:txBody>
+                    <a:bodyPr/>
+                    <a:lstStyle/>
+                    <a:p>
+                      <a:pPr algn="ctr"/>
+                      <a:endParaRPr lang="en-US" dirty="0"/>
+                    </a:p>
+                  </a:txBody>
+                  <a:tcPr>
+                    <a:solidFill>
+                      <a:srgbClr val="D6D6D6"/>
+                    </a:solidFill>
+                  </a:tcPr>
+                </a:tc>
+                <a:extLst>
+                  <a:ext uri="{0D108BD9-81ED-4DB2-BD59-A6C34878D82A}">
+                    <a16:rowId xmlns:a16="http://schemas.microsoft.com/office/drawing/2014/main" val="1899872430"/>
+                  </a:ext>
+                </a:extLst>
+              </a:tr>
+            </a:tbl>
+          </a:graphicData>
+        </a:graphic>
+      </p:graphicFrame>
     </p:spTree>
     <p:extLst>
       <p:ext uri="{BB962C8B-B14F-4D97-AF65-F5344CB8AC3E}">
         <p14:creationId xmlns:p14="http://schemas.microsoft.com/office/powerpoint/2010/main" val="2710569845"/>
+      </p:ext>
+    </p:extLst>
+  </p:cSld>
+  <p:clrMapOvr>
+    <a:masterClrMapping/>
+  </p:clrMapOvr>
+</p:sld>
+</file>
+
+<file path=ppt/slides/slide8.xml><?xml version="1.0" encoding="utf-8"?>
+<p:sld xmlns:a="http://schemas.openxmlformats.org/drawingml/2006/main" xmlns:r="http://schemas.openxmlformats.org/officeDocument/2006/relationships" xmlns:p="http://schemas.openxmlformats.org/presentationml/2006/main">
+  <p:cSld>
+    <p:bg>
+      <p:bgPr>
+        <a:solidFill>
+          <a:schemeClr val="bg1"/>
+        </a:solidFill>
+        <a:effectLst/>
+      </p:bgPr>
+    </p:bg>
+    <p:spTree>
+      <p:nvGrpSpPr>
+        <p:cNvPr id="1" name=""/>
+        <p:cNvGrpSpPr/>
+        <p:nvPr/>
+      </p:nvGrpSpPr>
+      <p:grpSpPr>
+        <a:xfrm>
+          <a:off x="0" y="0"/>
+          <a:ext cx="0" cy="0"/>
+          <a:chOff x="0" y="0"/>
+          <a:chExt cx="0" cy="0"/>
+        </a:xfrm>
+      </p:grpSpPr>
+      <p:pic>
+        <p:nvPicPr>
+          <p:cNvPr id="4" name="Picture 3">
+            <a:extLst>
+              <a:ext uri="{FF2B5EF4-FFF2-40B4-BE49-F238E27FC236}">
+                <a16:creationId xmlns:a16="http://schemas.microsoft.com/office/drawing/2014/main" id="{BF040B36-067A-074E-BA86-7BFC8819A706}"/>
+              </a:ext>
+            </a:extLst>
+          </p:cNvPr>
+          <p:cNvPicPr>
+            <a:picLocks noChangeAspect="1"/>
+          </p:cNvPicPr>
+          <p:nvPr/>
+        </p:nvPicPr>
+        <p:blipFill>
+          <a:blip r:embed="rId2">
+            <a:alphaModFix amt="10000"/>
+          </a:blip>
+          <a:stretch>
+            <a:fillRect/>
+          </a:stretch>
+        </p:blipFill>
+        <p:spPr>
+          <a:xfrm>
+            <a:off x="2761530" y="142875"/>
+            <a:ext cx="6668932" cy="6858000"/>
+          </a:xfrm>
+          <a:prstGeom prst="rect">
+            <a:avLst/>
+          </a:prstGeom>
+          <a:noFill/>
+          <a:effectLst>
+            <a:outerShdw dist="50800" dir="5400000" algn="ctr" rotWithShape="0">
+              <a:srgbClr val="000000">
+                <a:alpha val="0"/>
+              </a:srgbClr>
+            </a:outerShdw>
+          </a:effectLst>
+        </p:spPr>
+      </p:pic>
+      <p:graphicFrame>
+        <p:nvGraphicFramePr>
+          <p:cNvPr id="2" name="Diagram 1">
+            <a:extLst>
+              <a:ext uri="{FF2B5EF4-FFF2-40B4-BE49-F238E27FC236}">
+                <a16:creationId xmlns:a16="http://schemas.microsoft.com/office/drawing/2014/main" id="{DFCA9170-A683-E743-8042-5EE25273CE8D}"/>
+              </a:ext>
+            </a:extLst>
+          </p:cNvPr>
+          <p:cNvGraphicFramePr/>
+          <p:nvPr>
+            <p:extLst>
+              <p:ext uri="{D42A27DB-BD31-4B8C-83A1-F6EECF244321}">
+                <p14:modId xmlns:p14="http://schemas.microsoft.com/office/powerpoint/2010/main" val="3749402802"/>
+              </p:ext>
+            </p:extLst>
+          </p:nvPr>
+        </p:nvGraphicFramePr>
+        <p:xfrm>
+          <a:off x="0" y="0"/>
+          <a:ext cx="12192000" cy="628651"/>
+        </p:xfrm>
+        <a:graphic>
+          <a:graphicData uri="http://schemas.openxmlformats.org/drawingml/2006/diagram">
+            <dgm:relIds xmlns:dgm="http://schemas.openxmlformats.org/drawingml/2006/diagram" xmlns:r="http://schemas.openxmlformats.org/officeDocument/2006/relationships" r:dm="rId3" r:lo="rId4" r:qs="rId5" r:cs="rId6"/>
+          </a:graphicData>
+        </a:graphic>
+      </p:graphicFrame>
+      <p:sp>
+        <p:nvSpPr>
+          <p:cNvPr id="6" name="TextBox 5">
+            <a:extLst>
+              <a:ext uri="{FF2B5EF4-FFF2-40B4-BE49-F238E27FC236}">
+                <a16:creationId xmlns:a16="http://schemas.microsoft.com/office/drawing/2014/main" id="{0D2CAAD2-4BAE-5342-962B-FBCF3E61ADFD}"/>
+              </a:ext>
+            </a:extLst>
+          </p:cNvPr>
+          <p:cNvSpPr txBox="1"/>
+          <p:nvPr/>
+        </p:nvSpPr>
+        <p:spPr>
+          <a:xfrm>
+            <a:off x="2459900" y="633784"/>
+            <a:ext cx="7255704" cy="523220"/>
+          </a:xfrm>
+          <a:prstGeom prst="rect">
+            <a:avLst/>
+          </a:prstGeom>
+          <a:noFill/>
+        </p:spPr>
+        <p:txBody>
+          <a:bodyPr wrap="none" rtlCol="0">
+            <a:spAutoFit/>
+          </a:bodyPr>
+          <a:lstStyle/>
+          <a:p>
+            <a:r>
+              <a:rPr lang="en-US" sz="2800" dirty="0">
+                <a:latin typeface="Arial Hebrew Scholar" pitchFamily="2" charset="-79"/>
+                <a:cs typeface="Arial Hebrew Scholar" pitchFamily="2" charset="-79"/>
+              </a:rPr>
+              <a:t>Please finish creating your profile to continue</a:t>
+            </a:r>
+          </a:p>
+        </p:txBody>
+      </p:sp>
+      <p:sp>
+        <p:nvSpPr>
+          <p:cNvPr id="18" name="Rounded Rectangle 17">
+            <a:extLst>
+              <a:ext uri="{FF2B5EF4-FFF2-40B4-BE49-F238E27FC236}">
+                <a16:creationId xmlns:a16="http://schemas.microsoft.com/office/drawing/2014/main" id="{8DA23A39-D7E6-AB48-8AF8-197DAD81E425}"/>
+              </a:ext>
+            </a:extLst>
+          </p:cNvPr>
+          <p:cNvSpPr/>
+          <p:nvPr/>
+        </p:nvSpPr>
+        <p:spPr>
+          <a:xfrm>
+            <a:off x="2835564" y="6050293"/>
+            <a:ext cx="1090319" cy="342900"/>
+          </a:xfrm>
+          <a:prstGeom prst="roundRect">
+            <a:avLst/>
+          </a:prstGeom>
+          <a:solidFill>
+            <a:srgbClr val="D6D6D6"/>
+          </a:solidFill>
+          <a:ln>
+            <a:solidFill>
+              <a:schemeClr val="tx1"/>
+            </a:solidFill>
+          </a:ln>
+        </p:spPr>
+        <p:style>
+          <a:lnRef idx="2">
+            <a:schemeClr val="accent1">
+              <a:shade val="50000"/>
+            </a:schemeClr>
+          </a:lnRef>
+          <a:fillRef idx="1">
+            <a:schemeClr val="accent1"/>
+          </a:fillRef>
+          <a:effectRef idx="0">
+            <a:schemeClr val="accent1"/>
+          </a:effectRef>
+          <a:fontRef idx="minor">
+            <a:schemeClr val="lt1"/>
+          </a:fontRef>
+        </p:style>
+        <p:txBody>
+          <a:bodyPr rtlCol="0" anchor="ctr"/>
+          <a:lstStyle/>
+          <a:p>
+            <a:pPr algn="ctr"/>
+            <a:r>
+              <a:rPr lang="en-US" sz="1400" dirty="0">
+                <a:solidFill>
+                  <a:schemeClr val="tx1"/>
+                </a:solidFill>
+                <a:latin typeface="Arial Hebrew Scholar" pitchFamily="2" charset="-79"/>
+                <a:cs typeface="Arial Hebrew Scholar" pitchFamily="2" charset="-79"/>
+              </a:rPr>
+              <a:t>Start Over</a:t>
+            </a:r>
+          </a:p>
+        </p:txBody>
+      </p:sp>
+      <p:sp>
+        <p:nvSpPr>
+          <p:cNvPr id="20" name="Rounded Rectangle 19">
+            <a:extLst>
+              <a:ext uri="{FF2B5EF4-FFF2-40B4-BE49-F238E27FC236}">
+                <a16:creationId xmlns:a16="http://schemas.microsoft.com/office/drawing/2014/main" id="{E93BA187-6F67-E94F-BCD8-50BAF07ED8C9}"/>
+              </a:ext>
+            </a:extLst>
+          </p:cNvPr>
+          <p:cNvSpPr/>
+          <p:nvPr/>
+        </p:nvSpPr>
+        <p:spPr>
+          <a:xfrm>
+            <a:off x="8266110" y="6050293"/>
+            <a:ext cx="1014412" cy="342900"/>
+          </a:xfrm>
+          <a:prstGeom prst="roundRect">
+            <a:avLst/>
+          </a:prstGeom>
+          <a:solidFill>
+            <a:srgbClr val="D6D6D6"/>
+          </a:solidFill>
+          <a:ln>
+            <a:solidFill>
+              <a:schemeClr val="tx1"/>
+            </a:solidFill>
+          </a:ln>
+        </p:spPr>
+        <p:style>
+          <a:lnRef idx="2">
+            <a:schemeClr val="accent1">
+              <a:shade val="50000"/>
+            </a:schemeClr>
+          </a:lnRef>
+          <a:fillRef idx="1">
+            <a:schemeClr val="accent1"/>
+          </a:fillRef>
+          <a:effectRef idx="0">
+            <a:schemeClr val="accent1"/>
+          </a:effectRef>
+          <a:fontRef idx="minor">
+            <a:schemeClr val="lt1"/>
+          </a:fontRef>
+        </p:style>
+        <p:txBody>
+          <a:bodyPr rtlCol="0" anchor="ctr"/>
+          <a:lstStyle/>
+          <a:p>
+            <a:pPr algn="ctr"/>
+            <a:r>
+              <a:rPr lang="en-US" sz="1400" dirty="0">
+                <a:solidFill>
+                  <a:schemeClr val="tx1"/>
+                </a:solidFill>
+                <a:latin typeface="Arial Hebrew Scholar" pitchFamily="2" charset="-79"/>
+                <a:cs typeface="Arial Hebrew Scholar" pitchFamily="2" charset="-79"/>
+              </a:rPr>
+              <a:t>Next</a:t>
+            </a:r>
+          </a:p>
+        </p:txBody>
+      </p:sp>
+      <p:graphicFrame>
+        <p:nvGraphicFramePr>
+          <p:cNvPr id="16" name="Table 15">
+            <a:extLst>
+              <a:ext uri="{FF2B5EF4-FFF2-40B4-BE49-F238E27FC236}">
+                <a16:creationId xmlns:a16="http://schemas.microsoft.com/office/drawing/2014/main" id="{219A867B-76BC-F04B-AF76-65DCF1DE9D2B}"/>
+              </a:ext>
+            </a:extLst>
+          </p:cNvPr>
+          <p:cNvGraphicFramePr>
+            <a:graphicFrameLocks noGrp="1"/>
+          </p:cNvGraphicFramePr>
+          <p:nvPr>
+            <p:extLst>
+              <p:ext uri="{D42A27DB-BD31-4B8C-83A1-F6EECF244321}">
+                <p14:modId xmlns:p14="http://schemas.microsoft.com/office/powerpoint/2010/main" val="2187082306"/>
+              </p:ext>
+            </p:extLst>
+          </p:nvPr>
+        </p:nvGraphicFramePr>
+        <p:xfrm>
+          <a:off x="4063995" y="1618071"/>
+          <a:ext cx="4064000" cy="370840"/>
+        </p:xfrm>
+        <a:graphic>
+          <a:graphicData uri="http://schemas.openxmlformats.org/drawingml/2006/table">
+            <a:tbl>
+              <a:tblPr firstRow="1" bandRow="1">
+                <a:tableStyleId>{5C22544A-7EE6-4342-B048-85BDC9FD1C3A}</a:tableStyleId>
+              </a:tblPr>
+              <a:tblGrid>
+                <a:gridCol w="1475671">
+                  <a:extLst>
+                    <a:ext uri="{9D8B030D-6E8A-4147-A177-3AD203B41FA5}">
+                      <a16:colId xmlns:a16="http://schemas.microsoft.com/office/drawing/2014/main" val="1813649428"/>
+                    </a:ext>
+                  </a:extLst>
+                </a:gridCol>
+                <a:gridCol w="2588329">
+                  <a:extLst>
+                    <a:ext uri="{9D8B030D-6E8A-4147-A177-3AD203B41FA5}">
+                      <a16:colId xmlns:a16="http://schemas.microsoft.com/office/drawing/2014/main" val="3694872332"/>
+                    </a:ext>
+                  </a:extLst>
+                </a:gridCol>
+              </a:tblGrid>
+              <a:tr h="370840">
+                <a:tc>
+                  <a:txBody>
+                    <a:bodyPr/>
+                    <a:lstStyle/>
+                    <a:p>
+                      <a:pPr algn="ctr"/>
+                      <a:r>
+                        <a:rPr lang="en-US" dirty="0"/>
+                        <a:t>First Name</a:t>
+                      </a:r>
+                    </a:p>
+                  </a:txBody>
+                  <a:tcPr>
+                    <a:solidFill>
+                      <a:srgbClr val="941100"/>
+                    </a:solidFill>
+                  </a:tcPr>
+                </a:tc>
+                <a:tc>
+                  <a:txBody>
+                    <a:bodyPr/>
+                    <a:lstStyle/>
+                    <a:p>
+                      <a:pPr algn="ctr"/>
+                      <a:endParaRPr lang="en-US" dirty="0"/>
+                    </a:p>
+                  </a:txBody>
+                  <a:tcPr>
+                    <a:solidFill>
+                      <a:srgbClr val="D6D6D6"/>
+                    </a:solidFill>
+                  </a:tcPr>
+                </a:tc>
+                <a:extLst>
+                  <a:ext uri="{0D108BD9-81ED-4DB2-BD59-A6C34878D82A}">
+                    <a16:rowId xmlns:a16="http://schemas.microsoft.com/office/drawing/2014/main" val="1899872430"/>
+                  </a:ext>
+                </a:extLst>
+              </a:tr>
+            </a:tbl>
+          </a:graphicData>
+        </a:graphic>
+      </p:graphicFrame>
+      <p:sp>
+        <p:nvSpPr>
+          <p:cNvPr id="19" name="TextBox 18">
+            <a:extLst>
+              <a:ext uri="{FF2B5EF4-FFF2-40B4-BE49-F238E27FC236}">
+                <a16:creationId xmlns:a16="http://schemas.microsoft.com/office/drawing/2014/main" id="{2EB1EEBD-31BC-3C40-A264-0AB5587C9252}"/>
+              </a:ext>
+            </a:extLst>
+          </p:cNvPr>
+          <p:cNvSpPr txBox="1"/>
+          <p:nvPr/>
+        </p:nvSpPr>
+        <p:spPr>
+          <a:xfrm>
+            <a:off x="5051895" y="1267353"/>
+            <a:ext cx="2088200" cy="369332"/>
+          </a:xfrm>
+          <a:prstGeom prst="rect">
+            <a:avLst/>
+          </a:prstGeom>
+          <a:noFill/>
+        </p:spPr>
+        <p:txBody>
+          <a:bodyPr wrap="none" rtlCol="0">
+            <a:spAutoFit/>
+          </a:bodyPr>
+          <a:lstStyle/>
+          <a:p>
+            <a:r>
+              <a:rPr lang="en-US" dirty="0">
+                <a:cs typeface="Arial Hebrew Scholar Light"/>
+              </a:rPr>
+              <a:t>Student </a:t>
+            </a:r>
+            <a:r>
+              <a:rPr lang="en-US" dirty="0">
+                <a:cs typeface="Arial Hebrew Scholar"/>
+              </a:rPr>
+              <a:t>Information</a:t>
+            </a:r>
+          </a:p>
+        </p:txBody>
+      </p:sp>
+      <p:graphicFrame>
+        <p:nvGraphicFramePr>
+          <p:cNvPr id="11" name="Table 10">
+            <a:extLst>
+              <a:ext uri="{FF2B5EF4-FFF2-40B4-BE49-F238E27FC236}">
+                <a16:creationId xmlns:a16="http://schemas.microsoft.com/office/drawing/2014/main" id="{C6B9F37C-F19B-450D-9D48-BE058C70E3E6}"/>
+              </a:ext>
+            </a:extLst>
+          </p:cNvPr>
+          <p:cNvGraphicFramePr>
+            <a:graphicFrameLocks noGrp="1"/>
+          </p:cNvGraphicFramePr>
+          <p:nvPr>
+            <p:extLst>
+              <p:ext uri="{D42A27DB-BD31-4B8C-83A1-F6EECF244321}">
+                <p14:modId xmlns:p14="http://schemas.microsoft.com/office/powerpoint/2010/main" val="1689640692"/>
+              </p:ext>
+            </p:extLst>
+          </p:nvPr>
+        </p:nvGraphicFramePr>
+        <p:xfrm>
+          <a:off x="4063995" y="2087829"/>
+          <a:ext cx="4064000" cy="370840"/>
+        </p:xfrm>
+        <a:graphic>
+          <a:graphicData uri="http://schemas.openxmlformats.org/drawingml/2006/table">
+            <a:tbl>
+              <a:tblPr firstRow="1" bandRow="1">
+                <a:tableStyleId>{5C22544A-7EE6-4342-B048-85BDC9FD1C3A}</a:tableStyleId>
+              </a:tblPr>
+              <a:tblGrid>
+                <a:gridCol w="1483914">
+                  <a:extLst>
+                    <a:ext uri="{9D8B030D-6E8A-4147-A177-3AD203B41FA5}">
+                      <a16:colId xmlns:a16="http://schemas.microsoft.com/office/drawing/2014/main" val="1813649428"/>
+                    </a:ext>
+                  </a:extLst>
+                </a:gridCol>
+                <a:gridCol w="2580086">
+                  <a:extLst>
+                    <a:ext uri="{9D8B030D-6E8A-4147-A177-3AD203B41FA5}">
+                      <a16:colId xmlns:a16="http://schemas.microsoft.com/office/drawing/2014/main" val="3694872332"/>
+                    </a:ext>
+                  </a:extLst>
+                </a:gridCol>
+              </a:tblGrid>
+              <a:tr h="370840">
+                <a:tc>
+                  <a:txBody>
+                    <a:bodyPr/>
+                    <a:lstStyle/>
+                    <a:p>
+                      <a:pPr algn="ctr"/>
+                      <a:r>
+                        <a:rPr lang="en-US" dirty="0"/>
+                        <a:t>Last Name</a:t>
+                      </a:r>
+                    </a:p>
+                  </a:txBody>
+                  <a:tcPr>
+                    <a:solidFill>
+                      <a:srgbClr val="941100"/>
+                    </a:solidFill>
+                  </a:tcPr>
+                </a:tc>
+                <a:tc>
+                  <a:txBody>
+                    <a:bodyPr/>
+                    <a:lstStyle/>
+                    <a:p>
+                      <a:pPr algn="ctr"/>
+                      <a:endParaRPr lang="en-US" dirty="0"/>
+                    </a:p>
+                  </a:txBody>
+                  <a:tcPr>
+                    <a:solidFill>
+                      <a:srgbClr val="D6D6D6"/>
+                    </a:solidFill>
+                  </a:tcPr>
+                </a:tc>
+                <a:extLst>
+                  <a:ext uri="{0D108BD9-81ED-4DB2-BD59-A6C34878D82A}">
+                    <a16:rowId xmlns:a16="http://schemas.microsoft.com/office/drawing/2014/main" val="1899872430"/>
+                  </a:ext>
+                </a:extLst>
+              </a:tr>
+            </a:tbl>
+          </a:graphicData>
+        </a:graphic>
+      </p:graphicFrame>
+      <p:graphicFrame>
+        <p:nvGraphicFramePr>
+          <p:cNvPr id="12" name="Table 11">
+            <a:extLst>
+              <a:ext uri="{FF2B5EF4-FFF2-40B4-BE49-F238E27FC236}">
+                <a16:creationId xmlns:a16="http://schemas.microsoft.com/office/drawing/2014/main" id="{9847EE57-6F1E-4FE1-B6DD-5B1777EE3BBA}"/>
+              </a:ext>
+            </a:extLst>
+          </p:cNvPr>
+          <p:cNvGraphicFramePr>
+            <a:graphicFrameLocks noGrp="1"/>
+          </p:cNvGraphicFramePr>
+          <p:nvPr>
+            <p:extLst>
+              <p:ext uri="{D42A27DB-BD31-4B8C-83A1-F6EECF244321}">
+                <p14:modId xmlns:p14="http://schemas.microsoft.com/office/powerpoint/2010/main" val="3896974275"/>
+              </p:ext>
+            </p:extLst>
+          </p:nvPr>
+        </p:nvGraphicFramePr>
+        <p:xfrm>
+          <a:off x="4063995" y="2561190"/>
+          <a:ext cx="4064000" cy="370840"/>
+        </p:xfrm>
+        <a:graphic>
+          <a:graphicData uri="http://schemas.openxmlformats.org/drawingml/2006/table">
+            <a:tbl>
+              <a:tblPr firstRow="1" bandRow="1">
+                <a:tableStyleId>{5C22544A-7EE6-4342-B048-85BDC9FD1C3A}</a:tableStyleId>
+              </a:tblPr>
+              <a:tblGrid>
+                <a:gridCol w="1475671">
+                  <a:extLst>
+                    <a:ext uri="{9D8B030D-6E8A-4147-A177-3AD203B41FA5}">
+                      <a16:colId xmlns:a16="http://schemas.microsoft.com/office/drawing/2014/main" val="1813649428"/>
+                    </a:ext>
+                  </a:extLst>
+                </a:gridCol>
+                <a:gridCol w="2588329">
+                  <a:extLst>
+                    <a:ext uri="{9D8B030D-6E8A-4147-A177-3AD203B41FA5}">
+                      <a16:colId xmlns:a16="http://schemas.microsoft.com/office/drawing/2014/main" val="3694872332"/>
+                    </a:ext>
+                  </a:extLst>
+                </a:gridCol>
+              </a:tblGrid>
+              <a:tr h="370840">
+                <a:tc>
+                  <a:txBody>
+                    <a:bodyPr/>
+                    <a:lstStyle/>
+                    <a:p>
+                      <a:pPr algn="ctr"/>
+                      <a:r>
+                        <a:rPr lang="en-US" dirty="0">
+                          <a:cs typeface="Arial Hebrew Scholar Light"/>
+                        </a:rPr>
+                        <a:t>DOB</a:t>
+                      </a:r>
+                    </a:p>
+                  </a:txBody>
+                  <a:tcPr>
+                    <a:solidFill>
+                      <a:srgbClr val="941100"/>
+                    </a:solidFill>
+                  </a:tcPr>
+                </a:tc>
+                <a:tc>
+                  <a:txBody>
+                    <a:bodyPr/>
+                    <a:lstStyle/>
+                    <a:p>
+                      <a:pPr algn="ctr"/>
+                      <a:r>
+                        <a:rPr lang="en-US" dirty="0"/>
+                        <a:t>*</a:t>
+                      </a:r>
+                      <a:r>
+                        <a:rPr lang="en-US" dirty="0" err="1"/>
+                        <a:t>Calender</a:t>
+                      </a:r>
+                      <a:r>
+                        <a:rPr lang="en-US" dirty="0"/>
+                        <a:t>*</a:t>
+                      </a:r>
+                    </a:p>
+                  </a:txBody>
+                  <a:tcPr>
+                    <a:solidFill>
+                      <a:srgbClr val="D6D6D6"/>
+                    </a:solidFill>
+                  </a:tcPr>
+                </a:tc>
+                <a:extLst>
+                  <a:ext uri="{0D108BD9-81ED-4DB2-BD59-A6C34878D82A}">
+                    <a16:rowId xmlns:a16="http://schemas.microsoft.com/office/drawing/2014/main" val="1899872430"/>
+                  </a:ext>
+                </a:extLst>
+              </a:tr>
+            </a:tbl>
+          </a:graphicData>
+        </a:graphic>
+      </p:graphicFrame>
+      <p:sp>
+        <p:nvSpPr>
+          <p:cNvPr id="14" name="TextBox 13">
+            <a:extLst>
+              <a:ext uri="{FF2B5EF4-FFF2-40B4-BE49-F238E27FC236}">
+                <a16:creationId xmlns:a16="http://schemas.microsoft.com/office/drawing/2014/main" id="{984C5754-B01E-49E8-B953-021476D34C54}"/>
+              </a:ext>
+            </a:extLst>
+          </p:cNvPr>
+          <p:cNvSpPr txBox="1"/>
+          <p:nvPr/>
+        </p:nvSpPr>
+        <p:spPr>
+          <a:xfrm>
+            <a:off x="5170260" y="3402598"/>
+            <a:ext cx="1815946" cy="307777"/>
+          </a:xfrm>
+          <a:prstGeom prst="rect">
+            <a:avLst/>
+          </a:prstGeom>
+          <a:noFill/>
+        </p:spPr>
+        <p:txBody>
+          <a:bodyPr wrap="none" rtlCol="0">
+            <a:spAutoFit/>
+          </a:bodyPr>
+          <a:lstStyle/>
+          <a:p>
+            <a:r>
+              <a:rPr lang="en-US" sz="1400" dirty="0">
+                <a:latin typeface="Arial Hebrew Scholar Light"/>
+              </a:rPr>
+              <a:t>Select All That Apply</a:t>
+            </a:r>
+          </a:p>
+        </p:txBody>
+      </p:sp>
+      <p:graphicFrame>
+        <p:nvGraphicFramePr>
+          <p:cNvPr id="15" name="Table 14">
+            <a:extLst>
+              <a:ext uri="{FF2B5EF4-FFF2-40B4-BE49-F238E27FC236}">
+                <a16:creationId xmlns:a16="http://schemas.microsoft.com/office/drawing/2014/main" id="{81CCFD56-79AA-48B8-B420-D8E4471A8D93}"/>
+              </a:ext>
+            </a:extLst>
+          </p:cNvPr>
+          <p:cNvGraphicFramePr>
+            <a:graphicFrameLocks noGrp="1"/>
+          </p:cNvGraphicFramePr>
+          <p:nvPr>
+            <p:extLst>
+              <p:ext uri="{D42A27DB-BD31-4B8C-83A1-F6EECF244321}">
+                <p14:modId xmlns:p14="http://schemas.microsoft.com/office/powerpoint/2010/main" val="2360392590"/>
+              </p:ext>
+            </p:extLst>
+          </p:nvPr>
+        </p:nvGraphicFramePr>
+        <p:xfrm>
+          <a:off x="4063995" y="3031758"/>
+          <a:ext cx="4091134" cy="370840"/>
+        </p:xfrm>
+        <a:graphic>
+          <a:graphicData uri="http://schemas.openxmlformats.org/drawingml/2006/table">
+            <a:tbl>
+              <a:tblPr firstRow="1" bandRow="1">
+                <a:tableStyleId>{5C22544A-7EE6-4342-B048-85BDC9FD1C3A}</a:tableStyleId>
+              </a:tblPr>
+              <a:tblGrid>
+                <a:gridCol w="1485524">
+                  <a:extLst>
+                    <a:ext uri="{9D8B030D-6E8A-4147-A177-3AD203B41FA5}">
+                      <a16:colId xmlns:a16="http://schemas.microsoft.com/office/drawing/2014/main" val="1813649428"/>
+                    </a:ext>
+                  </a:extLst>
+                </a:gridCol>
+                <a:gridCol w="2605610">
+                  <a:extLst>
+                    <a:ext uri="{9D8B030D-6E8A-4147-A177-3AD203B41FA5}">
+                      <a16:colId xmlns:a16="http://schemas.microsoft.com/office/drawing/2014/main" val="3694872332"/>
+                    </a:ext>
+                  </a:extLst>
+                </a:gridCol>
+              </a:tblGrid>
+              <a:tr h="370840">
+                <a:tc>
+                  <a:txBody>
+                    <a:bodyPr/>
+                    <a:lstStyle/>
+                    <a:p>
+                      <a:pPr algn="ctr"/>
+                      <a:r>
+                        <a:rPr lang="en-US" dirty="0">
+                          <a:cs typeface="Arial Hebrew Scholar Light"/>
+                        </a:rPr>
+                        <a:t>Grade Level</a:t>
+                      </a:r>
+                    </a:p>
+                  </a:txBody>
+                  <a:tcPr>
+                    <a:solidFill>
+                      <a:srgbClr val="941100"/>
+                    </a:solidFill>
+                  </a:tcPr>
+                </a:tc>
+                <a:tc>
+                  <a:txBody>
+                    <a:bodyPr/>
+                    <a:lstStyle/>
+                    <a:p>
+                      <a:pPr algn="ctr"/>
+                      <a:endParaRPr lang="en-US" dirty="0">
+                        <a:cs typeface="Arial Hebrew Scholar Light"/>
+                      </a:endParaRPr>
+                    </a:p>
+                  </a:txBody>
+                  <a:tcPr>
+                    <a:solidFill>
+                      <a:srgbClr val="D6D6D6"/>
+                    </a:solidFill>
+                  </a:tcPr>
+                </a:tc>
+                <a:extLst>
+                  <a:ext uri="{0D108BD9-81ED-4DB2-BD59-A6C34878D82A}">
+                    <a16:rowId xmlns:a16="http://schemas.microsoft.com/office/drawing/2014/main" val="1899872430"/>
+                  </a:ext>
+                </a:extLst>
+              </a:tr>
+            </a:tbl>
+          </a:graphicData>
+        </a:graphic>
+      </p:graphicFrame>
+      <p:graphicFrame>
+        <p:nvGraphicFramePr>
+          <p:cNvPr id="3" name="Table 2">
+            <a:extLst>
+              <a:ext uri="{FF2B5EF4-FFF2-40B4-BE49-F238E27FC236}">
+                <a16:creationId xmlns:a16="http://schemas.microsoft.com/office/drawing/2014/main" id="{8303E37D-87A4-4797-8027-1847EFC440B7}"/>
+              </a:ext>
+            </a:extLst>
+          </p:cNvPr>
+          <p:cNvGraphicFramePr>
+            <a:graphicFrameLocks noGrp="1"/>
+          </p:cNvGraphicFramePr>
+          <p:nvPr>
+            <p:extLst>
+              <p:ext uri="{D42A27DB-BD31-4B8C-83A1-F6EECF244321}">
+                <p14:modId xmlns:p14="http://schemas.microsoft.com/office/powerpoint/2010/main" val="1997724716"/>
+              </p:ext>
+            </p:extLst>
+          </p:nvPr>
+        </p:nvGraphicFramePr>
+        <p:xfrm>
+          <a:off x="3773989" y="3664679"/>
+          <a:ext cx="4644022" cy="2194560"/>
+        </p:xfrm>
+        <a:graphic>
+          <a:graphicData uri="http://schemas.openxmlformats.org/drawingml/2006/table">
+            <a:tbl>
+              <a:tblPr firstRow="1" bandRow="1">
+                <a:tableStyleId>{5C22544A-7EE6-4342-B048-85BDC9FD1C3A}</a:tableStyleId>
+              </a:tblPr>
+              <a:tblGrid>
+                <a:gridCol w="399495">
+                  <a:extLst>
+                    <a:ext uri="{9D8B030D-6E8A-4147-A177-3AD203B41FA5}">
+                      <a16:colId xmlns:a16="http://schemas.microsoft.com/office/drawing/2014/main" val="476742882"/>
+                    </a:ext>
+                  </a:extLst>
+                </a:gridCol>
+                <a:gridCol w="1922517">
+                  <a:extLst>
+                    <a:ext uri="{9D8B030D-6E8A-4147-A177-3AD203B41FA5}">
+                      <a16:colId xmlns:a16="http://schemas.microsoft.com/office/drawing/2014/main" val="2150384896"/>
+                    </a:ext>
+                  </a:extLst>
+                </a:gridCol>
+                <a:gridCol w="385678">
+                  <a:extLst>
+                    <a:ext uri="{9D8B030D-6E8A-4147-A177-3AD203B41FA5}">
+                      <a16:colId xmlns:a16="http://schemas.microsoft.com/office/drawing/2014/main" val="691532872"/>
+                    </a:ext>
+                  </a:extLst>
+                </a:gridCol>
+                <a:gridCol w="1936332">
+                  <a:extLst>
+                    <a:ext uri="{9D8B030D-6E8A-4147-A177-3AD203B41FA5}">
+                      <a16:colId xmlns:a16="http://schemas.microsoft.com/office/drawing/2014/main" val="1304614144"/>
+                    </a:ext>
+                  </a:extLst>
+                </a:gridCol>
+              </a:tblGrid>
+              <a:tr h="335787">
+                <a:tc>
+                  <a:txBody>
+                    <a:bodyPr/>
+                    <a:lstStyle/>
+                    <a:p>
+                      <a:pPr algn="l"/>
+                      <a:endParaRPr lang="en-US" dirty="0"/>
+                    </a:p>
+                  </a:txBody>
+                  <a:tcPr>
+                    <a:solidFill>
+                      <a:srgbClr val="D6D6D6"/>
+                    </a:solidFill>
+                  </a:tcPr>
+                </a:tc>
+                <a:tc>
+                  <a:txBody>
+                    <a:bodyPr/>
+                    <a:lstStyle/>
+                    <a:p>
+                      <a:pPr algn="l"/>
+                      <a:r>
+                        <a:rPr lang="en-US" dirty="0">
+                          <a:solidFill>
+                            <a:sysClr val="windowText" lastClr="000000"/>
+                          </a:solidFill>
+                        </a:rPr>
+                        <a:t>Football</a:t>
+                      </a:r>
+                    </a:p>
+                  </a:txBody>
+                  <a:tcPr>
+                    <a:noFill/>
+                  </a:tcPr>
+                </a:tc>
+                <a:tc>
+                  <a:txBody>
+                    <a:bodyPr/>
+                    <a:lstStyle/>
+                    <a:p>
+                      <a:pPr algn="l"/>
+                      <a:endParaRPr lang="en-US" dirty="0"/>
+                    </a:p>
+                  </a:txBody>
+                  <a:tcPr>
+                    <a:solidFill>
+                      <a:srgbClr val="D6D6D6"/>
+                    </a:solidFill>
+                  </a:tcPr>
+                </a:tc>
+                <a:tc>
+                  <a:txBody>
+                    <a:bodyPr/>
+                    <a:lstStyle/>
+                    <a:p>
+                      <a:pPr algn="l"/>
+                      <a:r>
+                        <a:rPr lang="en-US" dirty="0">
+                          <a:solidFill>
+                            <a:sysClr val="windowText" lastClr="000000"/>
+                          </a:solidFill>
+                        </a:rPr>
+                        <a:t>Volleyball</a:t>
+                      </a:r>
+                    </a:p>
+                  </a:txBody>
+                  <a:tcPr>
+                    <a:noFill/>
+                  </a:tcPr>
+                </a:tc>
+                <a:extLst>
+                  <a:ext uri="{0D108BD9-81ED-4DB2-BD59-A6C34878D82A}">
+                    <a16:rowId xmlns:a16="http://schemas.microsoft.com/office/drawing/2014/main" val="2477011775"/>
+                  </a:ext>
+                </a:extLst>
+              </a:tr>
+              <a:tr h="335787">
+                <a:tc>
+                  <a:txBody>
+                    <a:bodyPr/>
+                    <a:lstStyle/>
+                    <a:p>
+                      <a:pPr algn="l"/>
+                      <a:endParaRPr lang="en-US" dirty="0"/>
+                    </a:p>
+                  </a:txBody>
+                  <a:tcPr>
+                    <a:solidFill>
+                      <a:srgbClr val="D6D6D6"/>
+                    </a:solidFill>
+                  </a:tcPr>
+                </a:tc>
+                <a:tc>
+                  <a:txBody>
+                    <a:bodyPr/>
+                    <a:lstStyle/>
+                    <a:p>
+                      <a:pPr algn="l"/>
+                      <a:r>
+                        <a:rPr lang="en-US" dirty="0"/>
+                        <a:t>Baseball</a:t>
+                      </a:r>
+                    </a:p>
+                  </a:txBody>
+                  <a:tcPr>
+                    <a:noFill/>
+                  </a:tcPr>
+                </a:tc>
+                <a:tc>
+                  <a:txBody>
+                    <a:bodyPr/>
+                    <a:lstStyle/>
+                    <a:p>
+                      <a:pPr algn="l"/>
+                      <a:endParaRPr lang="en-US" dirty="0"/>
+                    </a:p>
+                  </a:txBody>
+                  <a:tcPr>
+                    <a:solidFill>
+                      <a:srgbClr val="D6D6D6"/>
+                    </a:solidFill>
+                  </a:tcPr>
+                </a:tc>
+                <a:tc>
+                  <a:txBody>
+                    <a:bodyPr/>
+                    <a:lstStyle/>
+                    <a:p>
+                      <a:pPr algn="l"/>
+                      <a:r>
+                        <a:rPr lang="en-US" dirty="0"/>
+                        <a:t>Track and Field</a:t>
+                      </a:r>
+                    </a:p>
+                  </a:txBody>
+                  <a:tcPr>
+                    <a:noFill/>
+                  </a:tcPr>
+                </a:tc>
+                <a:extLst>
+                  <a:ext uri="{0D108BD9-81ED-4DB2-BD59-A6C34878D82A}">
+                    <a16:rowId xmlns:a16="http://schemas.microsoft.com/office/drawing/2014/main" val="232491177"/>
+                  </a:ext>
+                </a:extLst>
+              </a:tr>
+              <a:tr h="335787">
+                <a:tc>
+                  <a:txBody>
+                    <a:bodyPr/>
+                    <a:lstStyle/>
+                    <a:p>
+                      <a:pPr algn="l"/>
+                      <a:endParaRPr lang="en-US" dirty="0"/>
+                    </a:p>
+                  </a:txBody>
+                  <a:tcPr>
+                    <a:solidFill>
+                      <a:srgbClr val="D6D6D6"/>
+                    </a:solidFill>
+                  </a:tcPr>
+                </a:tc>
+                <a:tc>
+                  <a:txBody>
+                    <a:bodyPr/>
+                    <a:lstStyle/>
+                    <a:p>
+                      <a:pPr algn="l"/>
+                      <a:r>
+                        <a:rPr lang="en-US" dirty="0"/>
+                        <a:t>Softball</a:t>
+                      </a:r>
+                    </a:p>
+                  </a:txBody>
+                  <a:tcPr>
+                    <a:noFill/>
+                  </a:tcPr>
+                </a:tc>
+                <a:tc>
+                  <a:txBody>
+                    <a:bodyPr/>
+                    <a:lstStyle/>
+                    <a:p>
+                      <a:pPr algn="l"/>
+                      <a:endParaRPr lang="en-US" dirty="0"/>
+                    </a:p>
+                  </a:txBody>
+                  <a:tcPr>
+                    <a:solidFill>
+                      <a:srgbClr val="D6D6D6"/>
+                    </a:solidFill>
+                  </a:tcPr>
+                </a:tc>
+                <a:tc>
+                  <a:txBody>
+                    <a:bodyPr/>
+                    <a:lstStyle/>
+                    <a:p>
+                      <a:pPr algn="l"/>
+                      <a:r>
+                        <a:rPr lang="en-US" dirty="0"/>
+                        <a:t>Basketball</a:t>
+                      </a:r>
+                    </a:p>
+                  </a:txBody>
+                  <a:tcPr>
+                    <a:noFill/>
+                  </a:tcPr>
+                </a:tc>
+                <a:extLst>
+                  <a:ext uri="{0D108BD9-81ED-4DB2-BD59-A6C34878D82A}">
+                    <a16:rowId xmlns:a16="http://schemas.microsoft.com/office/drawing/2014/main" val="390234795"/>
+                  </a:ext>
+                </a:extLst>
+              </a:tr>
+              <a:tr h="335787">
+                <a:tc>
+                  <a:txBody>
+                    <a:bodyPr/>
+                    <a:lstStyle/>
+                    <a:p>
+                      <a:pPr algn="l"/>
+                      <a:endParaRPr lang="en-US" dirty="0"/>
+                    </a:p>
+                  </a:txBody>
+                  <a:tcPr>
+                    <a:solidFill>
+                      <a:srgbClr val="D6D6D6"/>
+                    </a:solidFill>
+                  </a:tcPr>
+                </a:tc>
+                <a:tc>
+                  <a:txBody>
+                    <a:bodyPr/>
+                    <a:lstStyle/>
+                    <a:p>
+                      <a:pPr algn="l"/>
+                      <a:r>
+                        <a:rPr lang="en-US" dirty="0"/>
+                        <a:t>Golf</a:t>
+                      </a:r>
+                    </a:p>
+                  </a:txBody>
+                  <a:tcPr>
+                    <a:noFill/>
+                  </a:tcPr>
+                </a:tc>
+                <a:tc>
+                  <a:txBody>
+                    <a:bodyPr/>
+                    <a:lstStyle/>
+                    <a:p>
+                      <a:pPr algn="l"/>
+                      <a:endParaRPr lang="en-US" dirty="0"/>
+                    </a:p>
+                  </a:txBody>
+                  <a:tcPr>
+                    <a:solidFill>
+                      <a:srgbClr val="D6D6D6"/>
+                    </a:solidFill>
+                  </a:tcPr>
+                </a:tc>
+                <a:tc>
+                  <a:txBody>
+                    <a:bodyPr/>
+                    <a:lstStyle/>
+                    <a:p>
+                      <a:pPr algn="l"/>
+                      <a:r>
+                        <a:rPr lang="en-US" dirty="0"/>
+                        <a:t>Cross Country</a:t>
+                      </a:r>
+                    </a:p>
+                  </a:txBody>
+                  <a:tcPr>
+                    <a:noFill/>
+                  </a:tcPr>
+                </a:tc>
+                <a:extLst>
+                  <a:ext uri="{0D108BD9-81ED-4DB2-BD59-A6C34878D82A}">
+                    <a16:rowId xmlns:a16="http://schemas.microsoft.com/office/drawing/2014/main" val="24974407"/>
+                  </a:ext>
+                </a:extLst>
+              </a:tr>
+              <a:tr h="335787">
+                <a:tc>
+                  <a:txBody>
+                    <a:bodyPr/>
+                    <a:lstStyle/>
+                    <a:p>
+                      <a:pPr algn="l"/>
+                      <a:endParaRPr lang="en-US" dirty="0"/>
+                    </a:p>
+                  </a:txBody>
+                  <a:tcPr>
+                    <a:solidFill>
+                      <a:srgbClr val="D6D6D6"/>
+                    </a:solidFill>
+                  </a:tcPr>
+                </a:tc>
+                <a:tc>
+                  <a:txBody>
+                    <a:bodyPr/>
+                    <a:lstStyle/>
+                    <a:p>
+                      <a:pPr algn="l"/>
+                      <a:r>
+                        <a:rPr lang="en-US" dirty="0"/>
+                        <a:t>Cheerleading</a:t>
+                      </a:r>
+                    </a:p>
+                  </a:txBody>
+                  <a:tcPr>
+                    <a:noFill/>
+                  </a:tcPr>
+                </a:tc>
+                <a:tc>
+                  <a:txBody>
+                    <a:bodyPr/>
+                    <a:lstStyle/>
+                    <a:p>
+                      <a:pPr algn="l"/>
+                      <a:endParaRPr lang="en-US" dirty="0"/>
+                    </a:p>
+                  </a:txBody>
+                  <a:tcPr>
+                    <a:solidFill>
+                      <a:srgbClr val="D6D6D6"/>
+                    </a:solidFill>
+                  </a:tcPr>
+                </a:tc>
+                <a:tc>
+                  <a:txBody>
+                    <a:bodyPr/>
+                    <a:lstStyle/>
+                    <a:p>
+                      <a:pPr algn="l"/>
+                      <a:r>
+                        <a:rPr lang="en-US" dirty="0"/>
+                        <a:t>Wrestling</a:t>
+                      </a:r>
+                    </a:p>
+                  </a:txBody>
+                  <a:tcPr>
+                    <a:noFill/>
+                  </a:tcPr>
+                </a:tc>
+                <a:extLst>
+                  <a:ext uri="{0D108BD9-81ED-4DB2-BD59-A6C34878D82A}">
+                    <a16:rowId xmlns:a16="http://schemas.microsoft.com/office/drawing/2014/main" val="622078342"/>
+                  </a:ext>
+                </a:extLst>
+              </a:tr>
+              <a:tr h="335787">
+                <a:tc>
+                  <a:txBody>
+                    <a:bodyPr/>
+                    <a:lstStyle/>
+                    <a:p>
+                      <a:pPr algn="l"/>
+                      <a:endParaRPr lang="en-US" dirty="0"/>
+                    </a:p>
+                  </a:txBody>
+                  <a:tcPr>
+                    <a:solidFill>
+                      <a:srgbClr val="D6D6D6"/>
+                    </a:solidFill>
+                  </a:tcPr>
+                </a:tc>
+                <a:tc>
+                  <a:txBody>
+                    <a:bodyPr/>
+                    <a:lstStyle/>
+                    <a:p>
+                      <a:pPr algn="l"/>
+                      <a:endParaRPr lang="en-US" dirty="0"/>
+                    </a:p>
+                  </a:txBody>
+                  <a:tcPr>
+                    <a:noFill/>
+                  </a:tcPr>
+                </a:tc>
+                <a:tc>
+                  <a:txBody>
+                    <a:bodyPr/>
+                    <a:lstStyle/>
+                    <a:p>
+                      <a:pPr algn="l"/>
+                      <a:endParaRPr lang="en-US" dirty="0"/>
+                    </a:p>
+                  </a:txBody>
+                  <a:tcPr>
+                    <a:solidFill>
+                      <a:srgbClr val="D6D6D6"/>
+                    </a:solidFill>
+                  </a:tcPr>
+                </a:tc>
+                <a:tc>
+                  <a:txBody>
+                    <a:bodyPr/>
+                    <a:lstStyle/>
+                    <a:p>
+                      <a:pPr algn="l"/>
+                      <a:endParaRPr lang="en-US" dirty="0"/>
+                    </a:p>
+                  </a:txBody>
+                  <a:tcPr>
+                    <a:noFill/>
+                  </a:tcPr>
+                </a:tc>
+                <a:extLst>
+                  <a:ext uri="{0D108BD9-81ED-4DB2-BD59-A6C34878D82A}">
+                    <a16:rowId xmlns:a16="http://schemas.microsoft.com/office/drawing/2014/main" val="3351428131"/>
+                  </a:ext>
+                </a:extLst>
+              </a:tr>
+            </a:tbl>
+          </a:graphicData>
+        </a:graphic>
+      </p:graphicFrame>
+    </p:spTree>
+    <p:extLst>
+      <p:ext uri="{BB962C8B-B14F-4D97-AF65-F5344CB8AC3E}">
+        <p14:creationId xmlns:p14="http://schemas.microsoft.com/office/powerpoint/2010/main" val="1655843662"/>
       </p:ext>
     </p:extLst>
   </p:cSld>

--- a/final/storyboard/dorr1/RoaneBooster.pptx
+++ b/final/storyboard/dorr1/RoaneBooster.pptx
@@ -7932,7 +7932,7 @@
           <a:p>
             <a:fld id="{5389C51E-1420-1A4A-96A3-41F36B52B304}" type="datetimeFigureOut">
               <a:rPr lang="en-US" smtClean="0"/>
-              <a:t>11/26/2018</a:t>
+              <a:t>11/26/18</a:t>
             </a:fld>
             <a:endParaRPr lang="en-US"/>
           </a:p>
@@ -8130,7 +8130,7 @@
           <a:p>
             <a:fld id="{5389C51E-1420-1A4A-96A3-41F36B52B304}" type="datetimeFigureOut">
               <a:rPr lang="en-US" smtClean="0"/>
-              <a:t>11/26/2018</a:t>
+              <a:t>11/26/18</a:t>
             </a:fld>
             <a:endParaRPr lang="en-US"/>
           </a:p>
@@ -8338,7 +8338,7 @@
           <a:p>
             <a:fld id="{5389C51E-1420-1A4A-96A3-41F36B52B304}" type="datetimeFigureOut">
               <a:rPr lang="en-US" smtClean="0"/>
-              <a:t>11/26/2018</a:t>
+              <a:t>11/26/18</a:t>
             </a:fld>
             <a:endParaRPr lang="en-US"/>
           </a:p>
@@ -8536,7 +8536,7 @@
           <a:p>
             <a:fld id="{5389C51E-1420-1A4A-96A3-41F36B52B304}" type="datetimeFigureOut">
               <a:rPr lang="en-US" smtClean="0"/>
-              <a:t>11/26/2018</a:t>
+              <a:t>11/26/18</a:t>
             </a:fld>
             <a:endParaRPr lang="en-US"/>
           </a:p>
@@ -8811,7 +8811,7 @@
           <a:p>
             <a:fld id="{5389C51E-1420-1A4A-96A3-41F36B52B304}" type="datetimeFigureOut">
               <a:rPr lang="en-US" smtClean="0"/>
-              <a:t>11/26/2018</a:t>
+              <a:t>11/26/18</a:t>
             </a:fld>
             <a:endParaRPr lang="en-US"/>
           </a:p>
@@ -9076,7 +9076,7 @@
           <a:p>
             <a:fld id="{5389C51E-1420-1A4A-96A3-41F36B52B304}" type="datetimeFigureOut">
               <a:rPr lang="en-US" smtClean="0"/>
-              <a:t>11/26/2018</a:t>
+              <a:t>11/26/18</a:t>
             </a:fld>
             <a:endParaRPr lang="en-US"/>
           </a:p>
@@ -9488,7 +9488,7 @@
           <a:p>
             <a:fld id="{5389C51E-1420-1A4A-96A3-41F36B52B304}" type="datetimeFigureOut">
               <a:rPr lang="en-US" smtClean="0"/>
-              <a:t>11/26/2018</a:t>
+              <a:t>11/26/18</a:t>
             </a:fld>
             <a:endParaRPr lang="en-US"/>
           </a:p>
@@ -9629,7 +9629,7 @@
           <a:p>
             <a:fld id="{5389C51E-1420-1A4A-96A3-41F36B52B304}" type="datetimeFigureOut">
               <a:rPr lang="en-US" smtClean="0"/>
-              <a:t>11/26/2018</a:t>
+              <a:t>11/26/18</a:t>
             </a:fld>
             <a:endParaRPr lang="en-US"/>
           </a:p>
@@ -9742,7 +9742,7 @@
           <a:p>
             <a:fld id="{5389C51E-1420-1A4A-96A3-41F36B52B304}" type="datetimeFigureOut">
               <a:rPr lang="en-US" smtClean="0"/>
-              <a:t>11/26/2018</a:t>
+              <a:t>11/26/18</a:t>
             </a:fld>
             <a:endParaRPr lang="en-US"/>
           </a:p>
@@ -10053,7 +10053,7 @@
           <a:p>
             <a:fld id="{5389C51E-1420-1A4A-96A3-41F36B52B304}" type="datetimeFigureOut">
               <a:rPr lang="en-US" smtClean="0"/>
-              <a:t>11/26/2018</a:t>
+              <a:t>11/26/18</a:t>
             </a:fld>
             <a:endParaRPr lang="en-US"/>
           </a:p>
@@ -10341,7 +10341,7 @@
           <a:p>
             <a:fld id="{5389C51E-1420-1A4A-96A3-41F36B52B304}" type="datetimeFigureOut">
               <a:rPr lang="en-US" smtClean="0"/>
-              <a:t>11/26/2018</a:t>
+              <a:t>11/26/18</a:t>
             </a:fld>
             <a:endParaRPr lang="en-US"/>
           </a:p>
@@ -10582,7 +10582,7 @@
           <a:p>
             <a:fld id="{5389C51E-1420-1A4A-96A3-41F36B52B304}" type="datetimeFigureOut">
               <a:rPr lang="en-US" smtClean="0"/>
-              <a:t>11/26/2018</a:t>
+              <a:t>11/26/18</a:t>
             </a:fld>
             <a:endParaRPr lang="en-US"/>
           </a:p>
@@ -17519,7 +17519,7 @@
           <p:nvPr>
             <p:extLst>
               <p:ext uri="{D42A27DB-BD31-4B8C-83A1-F6EECF244321}">
-                <p14:modId xmlns:p14="http://schemas.microsoft.com/office/powerpoint/2010/main" val="1997724716"/>
+                <p14:modId xmlns:p14="http://schemas.microsoft.com/office/powerpoint/2010/main" val="3920619631"/>
               </p:ext>
             </p:extLst>
           </p:nvPr>
@@ -17571,7 +17571,7 @@
                     <a:lstStyle/>
                     <a:p>
                       <a:pPr algn="l"/>
-                      <a:endParaRPr lang="en-US" dirty="0"/>
+                      <a:endParaRPr lang="en-US" b="0" dirty="0"/>
                     </a:p>
                   </a:txBody>
                   <a:tcPr>
@@ -17587,7 +17587,7 @@
                     <a:p>
                       <a:pPr algn="l"/>
                       <a:r>
-                        <a:rPr lang="en-US" dirty="0">
+                        <a:rPr lang="en-US" b="0" dirty="0">
                           <a:solidFill>
                             <a:sysClr val="windowText" lastClr="000000"/>
                           </a:solidFill>
@@ -17606,7 +17606,7 @@
                     <a:lstStyle/>
                     <a:p>
                       <a:pPr algn="l"/>
-                      <a:endParaRPr lang="en-US" dirty="0"/>
+                      <a:endParaRPr lang="en-US" b="0" dirty="0"/>
                     </a:p>
                   </a:txBody>
                   <a:tcPr>
@@ -17622,7 +17622,7 @@
                     <a:p>
                       <a:pPr algn="l"/>
                       <a:r>
-                        <a:rPr lang="en-US" dirty="0">
+                        <a:rPr lang="en-US" b="0" dirty="0">
                           <a:solidFill>
                             <a:sysClr val="windowText" lastClr="000000"/>
                           </a:solidFill>
@@ -17648,7 +17648,7 @@
                     <a:lstStyle/>
                     <a:p>
                       <a:pPr algn="l"/>
-                      <a:endParaRPr lang="en-US" dirty="0"/>
+                      <a:endParaRPr lang="en-US" b="0" dirty="0"/>
                     </a:p>
                   </a:txBody>
                   <a:tcPr>
@@ -17664,7 +17664,7 @@
                     <a:p>
                       <a:pPr algn="l"/>
                       <a:r>
-                        <a:rPr lang="en-US" dirty="0"/>
+                        <a:rPr lang="en-US" b="0" dirty="0"/>
                         <a:t>Baseball</a:t>
                       </a:r>
                     </a:p>
@@ -17679,7 +17679,7 @@
                     <a:lstStyle/>
                     <a:p>
                       <a:pPr algn="l"/>
-                      <a:endParaRPr lang="en-US" dirty="0"/>
+                      <a:endParaRPr lang="en-US" b="0" dirty="0"/>
                     </a:p>
                   </a:txBody>
                   <a:tcPr>
@@ -17695,7 +17695,7 @@
                     <a:p>
                       <a:pPr algn="l"/>
                       <a:r>
-                        <a:rPr lang="en-US" dirty="0"/>
+                        <a:rPr lang="en-US" b="0" dirty="0"/>
                         <a:t>Track and Field</a:t>
                       </a:r>
                     </a:p>
@@ -17717,7 +17717,7 @@
                     <a:lstStyle/>
                     <a:p>
                       <a:pPr algn="l"/>
-                      <a:endParaRPr lang="en-US" dirty="0"/>
+                      <a:endParaRPr lang="en-US" b="0" dirty="0"/>
                     </a:p>
                   </a:txBody>
                   <a:tcPr>
@@ -17733,7 +17733,7 @@
                     <a:p>
                       <a:pPr algn="l"/>
                       <a:r>
-                        <a:rPr lang="en-US" dirty="0"/>
+                        <a:rPr lang="en-US" b="0" dirty="0"/>
                         <a:t>Softball</a:t>
                       </a:r>
                     </a:p>
@@ -17748,7 +17748,7 @@
                     <a:lstStyle/>
                     <a:p>
                       <a:pPr algn="l"/>
-                      <a:endParaRPr lang="en-US" dirty="0"/>
+                      <a:endParaRPr lang="en-US" b="0" dirty="0"/>
                     </a:p>
                   </a:txBody>
                   <a:tcPr>
@@ -17764,7 +17764,7 @@
                     <a:p>
                       <a:pPr algn="l"/>
                       <a:r>
-                        <a:rPr lang="en-US" dirty="0"/>
+                        <a:rPr lang="en-US" b="0" dirty="0"/>
                         <a:t>Basketball</a:t>
                       </a:r>
                     </a:p>
@@ -17786,7 +17786,7 @@
                     <a:lstStyle/>
                     <a:p>
                       <a:pPr algn="l"/>
-                      <a:endParaRPr lang="en-US" dirty="0"/>
+                      <a:endParaRPr lang="en-US" b="0" dirty="0"/>
                     </a:p>
                   </a:txBody>
                   <a:tcPr>
@@ -17802,7 +17802,7 @@
                     <a:p>
                       <a:pPr algn="l"/>
                       <a:r>
-                        <a:rPr lang="en-US" dirty="0"/>
+                        <a:rPr lang="en-US" b="0" dirty="0"/>
                         <a:t>Golf</a:t>
                       </a:r>
                     </a:p>
@@ -17817,7 +17817,7 @@
                     <a:lstStyle/>
                     <a:p>
                       <a:pPr algn="l"/>
-                      <a:endParaRPr lang="en-US" dirty="0"/>
+                      <a:endParaRPr lang="en-US" b="0" dirty="0"/>
                     </a:p>
                   </a:txBody>
                   <a:tcPr>
@@ -17833,7 +17833,7 @@
                     <a:p>
                       <a:pPr algn="l"/>
                       <a:r>
-                        <a:rPr lang="en-US" dirty="0"/>
+                        <a:rPr lang="en-US" b="0" dirty="0"/>
                         <a:t>Cross Country</a:t>
                       </a:r>
                     </a:p>
@@ -17855,7 +17855,7 @@
                     <a:lstStyle/>
                     <a:p>
                       <a:pPr algn="l"/>
-                      <a:endParaRPr lang="en-US" dirty="0"/>
+                      <a:endParaRPr lang="en-US" b="0" dirty="0"/>
                     </a:p>
                   </a:txBody>
                   <a:tcPr>
@@ -17871,7 +17871,7 @@
                     <a:p>
                       <a:pPr algn="l"/>
                       <a:r>
-                        <a:rPr lang="en-US" dirty="0"/>
+                        <a:rPr lang="en-US" b="0" dirty="0"/>
                         <a:t>Cheerleading</a:t>
                       </a:r>
                     </a:p>
@@ -17886,7 +17886,7 @@
                     <a:lstStyle/>
                     <a:p>
                       <a:pPr algn="l"/>
-                      <a:endParaRPr lang="en-US" dirty="0"/>
+                      <a:endParaRPr lang="en-US" b="0" dirty="0"/>
                     </a:p>
                   </a:txBody>
                   <a:tcPr>
@@ -17902,7 +17902,7 @@
                     <a:p>
                       <a:pPr algn="l"/>
                       <a:r>
-                        <a:rPr lang="en-US" dirty="0"/>
+                        <a:rPr lang="en-US" b="0" dirty="0"/>
                         <a:t>Wrestling</a:t>
                       </a:r>
                     </a:p>
@@ -17924,7 +17924,7 @@
                     <a:lstStyle/>
                     <a:p>
                       <a:pPr algn="l"/>
-                      <a:endParaRPr lang="en-US" dirty="0"/>
+                      <a:endParaRPr lang="en-US" b="0" dirty="0"/>
                     </a:p>
                   </a:txBody>
                   <a:tcPr>
@@ -17939,7 +17939,7 @@
                     <a:lstStyle/>
                     <a:p>
                       <a:pPr algn="l"/>
-                      <a:endParaRPr lang="en-US" dirty="0"/>
+                      <a:endParaRPr lang="en-US" b="0" dirty="0"/>
                     </a:p>
                   </a:txBody>
                   <a:tcPr>
@@ -17952,7 +17952,7 @@
                     <a:lstStyle/>
                     <a:p>
                       <a:pPr algn="l"/>
-                      <a:endParaRPr lang="en-US" dirty="0"/>
+                      <a:endParaRPr lang="en-US" b="0" dirty="0"/>
                     </a:p>
                   </a:txBody>
                   <a:tcPr>
@@ -17967,7 +17967,7 @@
                     <a:lstStyle/>
                     <a:p>
                       <a:pPr algn="l"/>
-                      <a:endParaRPr lang="en-US" dirty="0"/>
+                      <a:endParaRPr lang="en-US" b="0" dirty="0"/>
                     </a:p>
                   </a:txBody>
                   <a:tcPr>
